--- a/node/lesson-65-async/async.pptx
+++ b/node/lesson-65-async/async.pptx
@@ -3342,7 +3342,7 @@
         <p:spPr>
           <a:xfrm>
             <a:off x="957853" y="3265503"/>
-            <a:ext cx="6433547" cy="3668697"/>
+            <a:ext cx="6325808" cy="3108544"/>
           </a:xfrm>
           <a:prstGeom prst="rect">
             <a:avLst/>
@@ -3389,6 +3389,17 @@
               <a:t>firstTwo</a:t>
             </a:r>
             <a:r>
+              <a:rPr lang="en-US" sz="1400" dirty="0" smtClean="0">
+                <a:solidFill>
+                  <a:srgbClr val="000000"/>
+                </a:solidFill>
+                <a:latin typeface="Monaco"/>
+                <a:ea typeface="Monaco"/>
+                <a:cs typeface="Monaco"/>
+              </a:rPr>
+              <a:t>(done) </a:t>
+            </a:r>
+            <a:r>
               <a:rPr lang="en-US" sz="1400" dirty="0">
                 <a:solidFill>
                   <a:srgbClr val="000000"/>
@@ -3397,7 +3408,7 @@
                 <a:ea typeface="Monaco"/>
                 <a:cs typeface="Monaco"/>
               </a:rPr>
-              <a:t>(callback) {</a:t>
+              <a:t>{</a:t>
             </a:r>
           </a:p>
           <a:p>
@@ -3410,7 +3421,18 @@
                 <a:ea typeface="Monaco"/>
                 <a:cs typeface="Monaco"/>
               </a:rPr>
-              <a:t>  callback(</a:t>
+              <a:t>  </a:t>
+            </a:r>
+            <a:r>
+              <a:rPr lang="en-US" sz="1400" dirty="0" smtClean="0">
+                <a:solidFill>
+                  <a:srgbClr val="000000"/>
+                </a:solidFill>
+                <a:latin typeface="Monaco"/>
+                <a:ea typeface="Monaco"/>
+                <a:cs typeface="Monaco"/>
+              </a:rPr>
+              <a:t>done(</a:t>
             </a:r>
             <a:r>
               <a:rPr lang="en-US" sz="1400" dirty="0">
@@ -3502,10 +3524,19 @@
                 <a:ea typeface="Monaco"/>
                 <a:cs typeface="Monaco"/>
               </a:rPr>
-              <a:t>first, second, callback) {</a:t>
-            </a:r>
-          </a:p>
-          <a:p>
+              <a:t>first, second, </a:t>
+            </a:r>
+            <a:r>
+              <a:rPr lang="en-US" sz="1400" dirty="0" smtClean="0">
+                <a:solidFill>
+                  <a:srgbClr val="000000"/>
+                </a:solidFill>
+                <a:latin typeface="Monaco"/>
+                <a:ea typeface="Monaco"/>
+                <a:cs typeface="Monaco"/>
+              </a:rPr>
+              <a:t>done) </a:t>
+            </a:r>
             <a:r>
               <a:rPr lang="en-US" sz="1400" dirty="0">
                 <a:solidFill>
@@ -3515,7 +3546,31 @@
                 <a:ea typeface="Monaco"/>
                 <a:cs typeface="Monaco"/>
               </a:rPr>
-              <a:t>  callback(</a:t>
+              <a:t>{</a:t>
+            </a:r>
+          </a:p>
+          <a:p>
+            <a:r>
+              <a:rPr lang="en-US" sz="1400" dirty="0">
+                <a:solidFill>
+                  <a:srgbClr val="000000"/>
+                </a:solidFill>
+                <a:latin typeface="Monaco"/>
+                <a:ea typeface="Monaco"/>
+                <a:cs typeface="Monaco"/>
+              </a:rPr>
+              <a:t>  </a:t>
+            </a:r>
+            <a:r>
+              <a:rPr lang="en-US" sz="1400" dirty="0" smtClean="0">
+                <a:solidFill>
+                  <a:srgbClr val="000000"/>
+                </a:solidFill>
+                <a:latin typeface="Monaco"/>
+                <a:ea typeface="Monaco"/>
+                <a:cs typeface="Monaco"/>
+              </a:rPr>
+              <a:t>done(</a:t>
             </a:r>
             <a:r>
               <a:rPr lang="en-US" sz="1400" dirty="0">
@@ -6278,6 +6333,9 @@
             </a:r>
             <a:r>
               <a:rPr lang="en-US" sz="2000" dirty="0" err="1" smtClean="0">
+                <a:solidFill>
+                  <a:srgbClr val="FF0000"/>
+                </a:solidFill>
                 <a:latin typeface="Monaco"/>
                 <a:cs typeface="Monaco"/>
               </a:rPr>
@@ -6347,7 +6405,24 @@
                 <a:latin typeface="Monaco"/>
                 <a:cs typeface="Monaco"/>
               </a:rPr>
-              <a:t>(element, callback)</a:t>
+              <a:t>(</a:t>
+            </a:r>
+            <a:r>
+              <a:rPr lang="en-US" sz="1600" dirty="0" smtClean="0">
+                <a:solidFill>
+                  <a:srgbClr val="FF0000"/>
+                </a:solidFill>
+                <a:latin typeface="Monaco"/>
+                <a:cs typeface="Monaco"/>
+              </a:rPr>
+              <a:t>element, callback</a:t>
+            </a:r>
+            <a:r>
+              <a:rPr lang="en-US" sz="1600" dirty="0" smtClean="0">
+                <a:latin typeface="Monaco"/>
+                <a:cs typeface="Monaco"/>
+              </a:rPr>
+              <a:t>)</a:t>
             </a:r>
             <a:r>
               <a:rPr lang="en-US" dirty="0" smtClean="0"/>
@@ -6372,7 +6447,24 @@
                 <a:latin typeface="Monaco"/>
                 <a:cs typeface="Monaco"/>
               </a:rPr>
-              <a:t>callback(err)</a:t>
+              <a:t>callback(</a:t>
+            </a:r>
+            <a:r>
+              <a:rPr lang="en-US" sz="1600" dirty="0">
+                <a:solidFill>
+                  <a:srgbClr val="FF0000"/>
+                </a:solidFill>
+                <a:latin typeface="Monaco"/>
+                <a:cs typeface="Monaco"/>
+              </a:rPr>
+              <a:t>err</a:t>
+            </a:r>
+            <a:r>
+              <a:rPr lang="en-US" sz="1600" dirty="0">
+                <a:latin typeface="Monaco"/>
+                <a:cs typeface="Monaco"/>
+              </a:rPr>
+              <a:t>)</a:t>
             </a:r>
           </a:p>
           <a:p>
@@ -6386,14 +6478,25 @@
             </a:r>
             <a:r>
               <a:rPr lang="en-US" sz="2000" dirty="0" err="1" smtClean="0">
+                <a:solidFill>
+                  <a:srgbClr val="FF0000"/>
+                </a:solidFill>
                 <a:latin typeface="Monaco"/>
                 <a:cs typeface="Monaco"/>
               </a:rPr>
               <a:t>userFn</a:t>
             </a:r>
             <a:r>
+              <a:rPr lang="en-US" dirty="0" smtClean="0">
+                <a:solidFill>
+                  <a:srgbClr val="FF0000"/>
+                </a:solidFill>
+              </a:rPr>
+              <a:t> </a:t>
+            </a:r>
+            <a:r>
               <a:rPr lang="en-US" dirty="0" smtClean="0"/>
-              <a:t> takes one parameter: an error if there was one or null</a:t>
+              <a:t>takes one parameter: an error if there was one or null</a:t>
             </a:r>
           </a:p>
           <a:p>
@@ -6414,6 +6517,9 @@
             </a:r>
             <a:r>
               <a:rPr lang="en-US" sz="2000" dirty="0" err="1">
+                <a:solidFill>
+                  <a:srgbClr val="FF0000"/>
+                </a:solidFill>
                 <a:latin typeface="Monaco"/>
                 <a:cs typeface="Monaco"/>
               </a:rPr>
@@ -7807,6 +7913,9 @@
             </a:r>
             <a:r>
               <a:rPr lang="en-US" sz="2000" dirty="0" err="1">
+                <a:solidFill>
+                  <a:srgbClr val="FF0000"/>
+                </a:solidFill>
                 <a:latin typeface="Monaco"/>
                 <a:cs typeface="Monaco"/>
               </a:rPr>
@@ -7814,6 +7923,9 @@
             </a:r>
             <a:r>
               <a:rPr lang="en-US" sz="2000" dirty="0">
+                <a:solidFill>
+                  <a:srgbClr val="FF0000"/>
+                </a:solidFill>
                 <a:latin typeface="Monaco"/>
                 <a:cs typeface="Monaco"/>
               </a:rPr>
@@ -7821,6 +7933,9 @@
             </a:r>
             <a:r>
               <a:rPr lang="en-US" sz="2000" dirty="0" err="1">
+                <a:solidFill>
+                  <a:srgbClr val="FF0000"/>
+                </a:solidFill>
                 <a:latin typeface="Monaco"/>
                 <a:cs typeface="Monaco"/>
               </a:rPr>
@@ -7828,16 +7943,29 @@
             </a:r>
             <a:r>
               <a:rPr lang="en-US" sz="2000" dirty="0">
-                <a:latin typeface="Monaco"/>
-                <a:cs typeface="Monaco"/>
-              </a:rPr>
-              <a:t>, callback)</a:t>
+                <a:solidFill>
+                  <a:srgbClr val="FF0000"/>
+                </a:solidFill>
+                <a:latin typeface="Monaco"/>
+                <a:cs typeface="Monaco"/>
+              </a:rPr>
+              <a:t>, callback</a:t>
+            </a:r>
+            <a:r>
+              <a:rPr lang="en-US" sz="2000" dirty="0">
+                <a:latin typeface="Monaco"/>
+                <a:cs typeface="Monaco"/>
+              </a:rPr>
+              <a:t>)</a:t>
             </a:r>
           </a:p>
           <a:p>
             <a:pPr lvl="1"/>
             <a:r>
               <a:rPr lang="en-US" sz="1600" dirty="0" err="1">
+                <a:solidFill>
+                  <a:srgbClr val="FF0000"/>
+                </a:solidFill>
                 <a:latin typeface="Monaco"/>
                 <a:cs typeface="Monaco"/>
               </a:rPr>
@@ -7852,6 +7980,9 @@
             <a:pPr lvl="1"/>
             <a:r>
               <a:rPr lang="en-US" sz="1600" dirty="0" err="1">
+                <a:solidFill>
+                  <a:srgbClr val="FF0000"/>
+                </a:solidFill>
                 <a:latin typeface="Monaco"/>
                 <a:cs typeface="Monaco"/>
               </a:rPr>
@@ -7859,13 +7990,40 @@
             </a:r>
             <a:r>
               <a:rPr lang="en-US" dirty="0"/>
-              <a:t>: the function to apply to each element</a:t>
-            </a:r>
+              <a:t>: the function to apply to each </a:t>
+            </a:r>
+            <a:r>
+              <a:rPr lang="en-US" dirty="0" smtClean="0"/>
+              <a:t>element, </a:t>
+            </a:r>
+          </a:p>
+          <a:p>
+            <a:pPr lvl="2"/>
+            <a:r>
+              <a:rPr lang="en-US" dirty="0" smtClean="0"/>
+              <a:t>Signature is </a:t>
+            </a:r>
+            <a:r>
+              <a:rPr lang="en-US" dirty="0" smtClean="0">
+                <a:solidFill>
+                  <a:srgbClr val="FF0000"/>
+                </a:solidFill>
+              </a:rPr>
+              <a:t>function(element, callback)</a:t>
+            </a:r>
+            <a:endParaRPr lang="en-US" dirty="0">
+              <a:solidFill>
+                <a:srgbClr val="FF0000"/>
+              </a:solidFill>
+            </a:endParaRPr>
           </a:p>
           <a:p>
             <a:pPr lvl="1"/>
             <a:r>
               <a:rPr lang="en-US" sz="1600" dirty="0">
+                <a:solidFill>
+                  <a:srgbClr val="FF0000"/>
+                </a:solidFill>
                 <a:latin typeface="Monaco"/>
                 <a:cs typeface="Monaco"/>
               </a:rPr>
@@ -7877,6 +8035,9 @@
             </a:r>
             <a:r>
               <a:rPr lang="en-US" sz="1600" dirty="0">
+                <a:solidFill>
+                  <a:srgbClr val="FF0000"/>
+                </a:solidFill>
                 <a:latin typeface="Monaco"/>
                 <a:cs typeface="Monaco"/>
               </a:rPr>
@@ -7884,12 +8045,18 @@
             </a:r>
             <a:r>
               <a:rPr lang="en-US" sz="1600" dirty="0" smtClean="0">
+                <a:solidFill>
+                  <a:srgbClr val="FF0000"/>
+                </a:solidFill>
                 <a:latin typeface="Monaco"/>
                 <a:cs typeface="Monaco"/>
               </a:rPr>
               <a:t>err, results)</a:t>
             </a:r>
             <a:endParaRPr lang="en-US" sz="1600" dirty="0">
+              <a:solidFill>
+                <a:srgbClr val="FF0000"/>
+              </a:solidFill>
               <a:latin typeface="Monaco"/>
               <a:cs typeface="Monaco"/>
             </a:endParaRPr>
@@ -7906,14 +8073,25 @@
             </a:r>
             <a:r>
               <a:rPr lang="en-US" sz="2000" dirty="0" err="1">
+                <a:solidFill>
+                  <a:srgbClr val="FF0000"/>
+                </a:solidFill>
                 <a:latin typeface="Monaco"/>
                 <a:cs typeface="Monaco"/>
               </a:rPr>
               <a:t>userFn</a:t>
             </a:r>
             <a:r>
+              <a:rPr lang="en-US" dirty="0">
+                <a:solidFill>
+                  <a:srgbClr val="FF0000"/>
+                </a:solidFill>
+              </a:rPr>
+              <a:t> </a:t>
+            </a:r>
+            <a:r>
               <a:rPr lang="en-US" dirty="0"/>
-              <a:t> takes </a:t>
+              <a:t>takes </a:t>
             </a:r>
             <a:r>
               <a:rPr lang="en-US" dirty="0" smtClean="0"/>
@@ -7956,6 +8134,9 @@
             </a:r>
             <a:r>
               <a:rPr lang="en-US" sz="2000" dirty="0" err="1" smtClean="0">
+                <a:solidFill>
+                  <a:srgbClr val="FF0000"/>
+                </a:solidFill>
                 <a:latin typeface="Monaco"/>
                 <a:cs typeface="Monaco"/>
               </a:rPr>
@@ -7963,14 +8144,25 @@
             </a:r>
             <a:r>
               <a:rPr lang="en-US" sz="2000" dirty="0">
+                <a:solidFill>
+                  <a:srgbClr val="FF0000"/>
+                </a:solidFill>
                 <a:latin typeface="Monaco"/>
                 <a:cs typeface="Monaco"/>
               </a:rPr>
               <a:t>()</a:t>
             </a:r>
             <a:r>
+              <a:rPr lang="en-US" dirty="0">
+                <a:solidFill>
+                  <a:srgbClr val="FF0000"/>
+                </a:solidFill>
+              </a:rPr>
+              <a:t> </a:t>
+            </a:r>
+            <a:r>
               <a:rPr lang="en-US" dirty="0"/>
-              <a:t> to process the array in order</a:t>
+              <a:t>to process the array in order</a:t>
             </a:r>
           </a:p>
           <a:p>
@@ -8911,45 +9103,65 @@
             <a:pPr lvl="1"/>
             <a:r>
               <a:rPr lang="en-US" sz="1800" dirty="0" err="1" smtClean="0">
+                <a:solidFill>
+                  <a:srgbClr val="FF0000"/>
+                </a:solidFill>
                 <a:latin typeface="Monaco"/>
                 <a:cs typeface="Monaco"/>
               </a:rPr>
               <a:t>async.series</a:t>
             </a:r>
+            <a:endParaRPr lang="en-US" sz="2000" dirty="0">
+              <a:solidFill>
+                <a:srgbClr val="FF0000"/>
+              </a:solidFill>
+            </a:endParaRPr>
+          </a:p>
+          <a:p>
+            <a:pPr lvl="1"/>
+            <a:r>
+              <a:rPr lang="en-US" dirty="0" err="1" smtClean="0">
+                <a:solidFill>
+                  <a:srgbClr val="FF0000"/>
+                </a:solidFill>
+                <a:latin typeface="Monaco"/>
+                <a:cs typeface="Monaco"/>
+              </a:rPr>
+              <a:t>async.parallel</a:t>
+            </a:r>
+            <a:endParaRPr lang="en-US" sz="2000" dirty="0">
+              <a:solidFill>
+                <a:srgbClr val="FF0000"/>
+              </a:solidFill>
+            </a:endParaRPr>
+          </a:p>
+          <a:p>
+            <a:pPr lvl="1"/>
+            <a:r>
+              <a:rPr lang="en-US" dirty="0" err="1" smtClean="0">
+                <a:latin typeface="Monaco"/>
+                <a:cs typeface="Monaco"/>
+              </a:rPr>
+              <a:t>async.waterfall</a:t>
+            </a:r>
             <a:endParaRPr lang="en-US" sz="2000" dirty="0"/>
           </a:p>
           <a:p>
             <a:pPr lvl="1"/>
             <a:r>
               <a:rPr lang="en-US" dirty="0" err="1" smtClean="0">
-                <a:latin typeface="Monaco"/>
-                <a:cs typeface="Monaco"/>
-              </a:rPr>
-              <a:t>async.parallel</a:t>
-            </a:r>
-            <a:endParaRPr lang="en-US" sz="2000" dirty="0"/>
-          </a:p>
-          <a:p>
-            <a:pPr lvl="1"/>
-            <a:r>
-              <a:rPr lang="en-US" dirty="0" err="1" smtClean="0">
-                <a:latin typeface="Monaco"/>
-                <a:cs typeface="Monaco"/>
-              </a:rPr>
-              <a:t>async.waterfall</a:t>
-            </a:r>
-            <a:endParaRPr lang="en-US" sz="2000" dirty="0"/>
-          </a:p>
-          <a:p>
-            <a:pPr lvl="1"/>
-            <a:r>
-              <a:rPr lang="en-US" dirty="0" err="1" smtClean="0">
+                <a:solidFill>
+                  <a:srgbClr val="FF0000"/>
+                </a:solidFill>
                 <a:latin typeface="Monaco"/>
                 <a:cs typeface="Monaco"/>
               </a:rPr>
               <a:t>async.auto</a:t>
             </a:r>
             <a:endParaRPr lang="en-US" dirty="0" smtClean="0">
+              <a:solidFill>
+                <a:srgbClr val="FF0000"/>
+              </a:solidFill>
               <a:latin typeface="Monaco"/>
               <a:cs typeface="Monaco"/>
             </a:endParaRPr>
@@ -8969,12 +9181,19 @@
             <a:pPr lvl="1"/>
             <a:r>
               <a:rPr lang="en-US" sz="1800" dirty="0" err="1" smtClean="0">
+                <a:solidFill>
+                  <a:srgbClr val="FF0000"/>
+                </a:solidFill>
                 <a:latin typeface="Monaco"/>
                 <a:cs typeface="Monaco"/>
               </a:rPr>
               <a:t>async.each</a:t>
             </a:r>
-            <a:endParaRPr lang="en-US" sz="2000" dirty="0"/>
+            <a:endParaRPr lang="en-US" sz="2000" dirty="0">
+              <a:solidFill>
+                <a:srgbClr val="FF0000"/>
+              </a:solidFill>
+            </a:endParaRPr>
           </a:p>
           <a:p>
             <a:pPr lvl="1"/>
@@ -11697,7 +11916,18 @@
                 <a:ea typeface="Monaco"/>
                 <a:cs typeface="Monaco"/>
               </a:rPr>
-              <a:t>function one</a:t>
+              <a:t>function </a:t>
+            </a:r>
+            <a:r>
+              <a:rPr lang="en-US" sz="1100" dirty="0">
+                <a:solidFill>
+                  <a:srgbClr val="FF0000"/>
+                </a:solidFill>
+                <a:latin typeface="Monaco"/>
+                <a:ea typeface="Monaco"/>
+                <a:cs typeface="Monaco"/>
+              </a:rPr>
+              <a:t>one</a:t>
             </a:r>
             <a:r>
               <a:rPr lang="en-US" sz="1100" dirty="0" smtClean="0">
@@ -11708,7 +11938,7 @@
                 <a:ea typeface="Monaco"/>
                 <a:cs typeface="Monaco"/>
               </a:rPr>
-              <a:t>(callback) </a:t>
+              <a:t>(done) </a:t>
             </a:r>
             <a:r>
               <a:rPr lang="en-US" sz="1100" dirty="0">
@@ -11737,13 +11967,24 @@
             <a:r>
               <a:rPr lang="en-US" sz="1100" dirty="0" smtClean="0">
                 <a:solidFill>
-                  <a:srgbClr val="000000"/>
-                </a:solidFill>
-                <a:latin typeface="Monaco"/>
-                <a:ea typeface="Monaco"/>
-                <a:cs typeface="Monaco"/>
-              </a:rPr>
-              <a:t>callback(</a:t>
+                  <a:srgbClr val="FF0000"/>
+                </a:solidFill>
+                <a:latin typeface="Monaco"/>
+                <a:ea typeface="Monaco"/>
+                <a:cs typeface="Monaco"/>
+              </a:rPr>
+              <a:t>done</a:t>
+            </a:r>
+            <a:r>
+              <a:rPr lang="en-US" sz="1100" dirty="0" smtClean="0">
+                <a:solidFill>
+                  <a:srgbClr val="000000"/>
+                </a:solidFill>
+                <a:latin typeface="Monaco"/>
+                <a:ea typeface="Monaco"/>
+                <a:cs typeface="Monaco"/>
+              </a:rPr>
+              <a:t>(</a:t>
             </a:r>
             <a:r>
               <a:rPr lang="en-US" sz="1100" dirty="0">
@@ -11780,20 +12021,86 @@
                 <a:ea typeface="Monaco"/>
                 <a:cs typeface="Monaco"/>
               </a:rPr>
-              <a:t>function two(callback) {</a:t>
-            </a:r>
-          </a:p>
-          <a:p>
+              <a:t>function </a:t>
+            </a:r>
             <a:r>
               <a:rPr lang="en-US" sz="1100" dirty="0">
                 <a:solidFill>
-                  <a:srgbClr val="000000"/>
-                </a:solidFill>
-                <a:latin typeface="Monaco"/>
-                <a:ea typeface="Monaco"/>
-                <a:cs typeface="Monaco"/>
-              </a:rPr>
-              <a:t>  callback(null, 2);</a:t>
+                  <a:srgbClr val="FF0000"/>
+                </a:solidFill>
+                <a:latin typeface="Monaco"/>
+                <a:ea typeface="Monaco"/>
+                <a:cs typeface="Monaco"/>
+              </a:rPr>
+              <a:t>two</a:t>
+            </a:r>
+            <a:r>
+              <a:rPr lang="en-US" sz="1100" dirty="0" smtClean="0">
+                <a:solidFill>
+                  <a:srgbClr val="000000"/>
+                </a:solidFill>
+                <a:latin typeface="Monaco"/>
+                <a:ea typeface="Monaco"/>
+                <a:cs typeface="Monaco"/>
+              </a:rPr>
+              <a:t>(done) </a:t>
+            </a:r>
+            <a:r>
+              <a:rPr lang="en-US" sz="1100" dirty="0">
+                <a:solidFill>
+                  <a:srgbClr val="000000"/>
+                </a:solidFill>
+                <a:latin typeface="Monaco"/>
+                <a:ea typeface="Monaco"/>
+                <a:cs typeface="Monaco"/>
+              </a:rPr>
+              <a:t>{</a:t>
+            </a:r>
+          </a:p>
+          <a:p>
+            <a:r>
+              <a:rPr lang="en-US" sz="1100" dirty="0">
+                <a:solidFill>
+                  <a:srgbClr val="000000"/>
+                </a:solidFill>
+                <a:latin typeface="Monaco"/>
+                <a:ea typeface="Monaco"/>
+                <a:cs typeface="Monaco"/>
+              </a:rPr>
+              <a:t>  </a:t>
+            </a:r>
+            <a:r>
+              <a:rPr lang="en-US" sz="1100" dirty="0" smtClean="0">
+                <a:solidFill>
+                  <a:srgbClr val="FF0000"/>
+                </a:solidFill>
+                <a:latin typeface="Monaco"/>
+                <a:ea typeface="Monaco"/>
+                <a:cs typeface="Monaco"/>
+              </a:rPr>
+              <a:t>done</a:t>
+            </a:r>
+            <a:r>
+              <a:rPr lang="en-US" sz="1100" dirty="0" smtClean="0">
+                <a:solidFill>
+                  <a:srgbClr val="000000"/>
+                </a:solidFill>
+                <a:latin typeface="Monaco"/>
+                <a:ea typeface="Monaco"/>
+                <a:cs typeface="Monaco"/>
+              </a:rPr>
+              <a:t>(</a:t>
+            </a:r>
+            <a:r>
+              <a:rPr lang="en-US" sz="1100" dirty="0">
+                <a:solidFill>
+                  <a:srgbClr val="000000"/>
+                </a:solidFill>
+                <a:latin typeface="Monaco"/>
+                <a:ea typeface="Monaco"/>
+                <a:cs typeface="Monaco"/>
+              </a:rPr>
+              <a:t>null, 2);</a:t>
             </a:r>
           </a:p>
           <a:p>
@@ -12464,7 +12771,7 @@
         <p:spPr>
           <a:xfrm>
             <a:off x="950656" y="2971800"/>
-            <a:ext cx="4840544" cy="4121129"/>
+            <a:ext cx="4840544" cy="3477875"/>
           </a:xfrm>
           <a:prstGeom prst="rect">
             <a:avLst/>
@@ -12497,10 +12804,19 @@
                 <a:ea typeface="Monaco"/>
                 <a:cs typeface="Monaco"/>
               </a:rPr>
-              <a:t> one(callback) {</a:t>
-            </a:r>
-          </a:p>
-          <a:p>
+              <a:t> one</a:t>
+            </a:r>
+            <a:r>
+              <a:rPr lang="en-US" sz="1100" dirty="0" smtClean="0">
+                <a:solidFill>
+                  <a:srgbClr val="000000"/>
+                </a:solidFill>
+                <a:latin typeface="Monaco"/>
+                <a:ea typeface="Monaco"/>
+                <a:cs typeface="Monaco"/>
+              </a:rPr>
+              <a:t>(done) </a:t>
+            </a:r>
             <a:r>
               <a:rPr lang="en-US" sz="1100" dirty="0">
                 <a:solidFill>
@@ -12510,11 +12826,35 @@
                 <a:ea typeface="Monaco"/>
                 <a:cs typeface="Monaco"/>
               </a:rPr>
-              <a:t>  callback(</a:t>
-            </a:r>
+              <a:t>{</a:t>
+            </a:r>
+          </a:p>
+          <a:p>
             <a:r>
               <a:rPr lang="en-US" sz="1100" dirty="0">
                 <a:solidFill>
+                  <a:srgbClr val="000000"/>
+                </a:solidFill>
+                <a:latin typeface="Monaco"/>
+                <a:ea typeface="Monaco"/>
+                <a:cs typeface="Monaco"/>
+              </a:rPr>
+              <a:t>  </a:t>
+            </a:r>
+            <a:r>
+              <a:rPr lang="en-US" sz="1100" dirty="0" smtClean="0">
+                <a:solidFill>
+                  <a:srgbClr val="000000"/>
+                </a:solidFill>
+                <a:latin typeface="Monaco"/>
+                <a:ea typeface="Monaco"/>
+                <a:cs typeface="Monaco"/>
+              </a:rPr>
+              <a:t>done(</a:t>
+            </a:r>
+            <a:r>
+              <a:rPr lang="en-US" sz="1100" dirty="0">
+                <a:solidFill>
                   <a:srgbClr val="931968"/>
                 </a:solidFill>
                 <a:latin typeface="Monaco"/>
@@ -12569,10 +12909,19 @@
                 <a:ea typeface="Monaco"/>
                 <a:cs typeface="Monaco"/>
               </a:rPr>
-              <a:t> two(callback) {</a:t>
-            </a:r>
-          </a:p>
-          <a:p>
+              <a:t> two</a:t>
+            </a:r>
+            <a:r>
+              <a:rPr lang="en-US" sz="1100" dirty="0" smtClean="0">
+                <a:solidFill>
+                  <a:srgbClr val="000000"/>
+                </a:solidFill>
+                <a:latin typeface="Monaco"/>
+                <a:ea typeface="Monaco"/>
+                <a:cs typeface="Monaco"/>
+              </a:rPr>
+              <a:t>(done) </a:t>
+            </a:r>
             <a:r>
               <a:rPr lang="en-US" sz="1100" dirty="0">
                 <a:solidFill>
@@ -12582,7 +12931,31 @@
                 <a:ea typeface="Monaco"/>
                 <a:cs typeface="Monaco"/>
               </a:rPr>
-              <a:t>  callback(</a:t>
+              <a:t>{</a:t>
+            </a:r>
+          </a:p>
+          <a:p>
+            <a:r>
+              <a:rPr lang="en-US" sz="1100" dirty="0">
+                <a:solidFill>
+                  <a:srgbClr val="000000"/>
+                </a:solidFill>
+                <a:latin typeface="Monaco"/>
+                <a:ea typeface="Monaco"/>
+                <a:cs typeface="Monaco"/>
+              </a:rPr>
+              <a:t>  </a:t>
+            </a:r>
+            <a:r>
+              <a:rPr lang="en-US" sz="1100" dirty="0" smtClean="0">
+                <a:solidFill>
+                  <a:srgbClr val="000000"/>
+                </a:solidFill>
+                <a:latin typeface="Monaco"/>
+                <a:ea typeface="Monaco"/>
+                <a:cs typeface="Monaco"/>
+              </a:rPr>
+              <a:t>done(</a:t>
             </a:r>
             <a:r>
               <a:rPr lang="en-US" sz="1100" dirty="0">
@@ -13603,10 +13976,19 @@
                 <a:ea typeface="Monaco"/>
                 <a:cs typeface="Monaco"/>
               </a:rPr>
-              <a:t> one(callback) {</a:t>
-            </a:r>
-          </a:p>
-          <a:p>
+              <a:t> one</a:t>
+            </a:r>
+            <a:r>
+              <a:rPr lang="en-US" sz="1200" dirty="0" smtClean="0">
+                <a:solidFill>
+                  <a:srgbClr val="000000"/>
+                </a:solidFill>
+                <a:latin typeface="Monaco"/>
+                <a:ea typeface="Monaco"/>
+                <a:cs typeface="Monaco"/>
+              </a:rPr>
+              <a:t>(done) </a:t>
+            </a:r>
             <a:r>
               <a:rPr lang="en-US" sz="1200" dirty="0">
                 <a:solidFill>
@@ -13616,6 +13998,19 @@
                 <a:ea typeface="Monaco"/>
                 <a:cs typeface="Monaco"/>
               </a:rPr>
+              <a:t>{</a:t>
+            </a:r>
+          </a:p>
+          <a:p>
+            <a:r>
+              <a:rPr lang="en-US" sz="1200" dirty="0">
+                <a:solidFill>
+                  <a:srgbClr val="000000"/>
+                </a:solidFill>
+                <a:latin typeface="Monaco"/>
+                <a:ea typeface="Monaco"/>
+                <a:cs typeface="Monaco"/>
+              </a:rPr>
               <a:t>  </a:t>
             </a:r>
             <a:r>
@@ -13695,7 +14090,18 @@
                 <a:ea typeface="Monaco"/>
                 <a:cs typeface="Monaco"/>
               </a:rPr>
-              <a:t>    callback(</a:t>
+              <a:t>    </a:t>
+            </a:r>
+            <a:r>
+              <a:rPr lang="en-US" sz="1200" dirty="0" smtClean="0">
+                <a:solidFill>
+                  <a:srgbClr val="000000"/>
+                </a:solidFill>
+                <a:latin typeface="Monaco"/>
+                <a:ea typeface="Monaco"/>
+                <a:cs typeface="Monaco"/>
+              </a:rPr>
+              <a:t>done(</a:t>
             </a:r>
             <a:r>
               <a:rPr lang="en-US" sz="1200" dirty="0">
@@ -13789,10 +14195,19 @@
                 <a:ea typeface="Monaco"/>
                 <a:cs typeface="Monaco"/>
               </a:rPr>
-              <a:t> two(callback) {</a:t>
-            </a:r>
-          </a:p>
-          <a:p>
+              <a:t> two</a:t>
+            </a:r>
+            <a:r>
+              <a:rPr lang="en-US" sz="1200" dirty="0" smtClean="0">
+                <a:solidFill>
+                  <a:srgbClr val="000000"/>
+                </a:solidFill>
+                <a:latin typeface="Monaco"/>
+                <a:ea typeface="Monaco"/>
+                <a:cs typeface="Monaco"/>
+              </a:rPr>
+              <a:t>(done) </a:t>
+            </a:r>
             <a:r>
               <a:rPr lang="en-US" sz="1200" dirty="0">
                 <a:solidFill>
@@ -13802,6 +14217,19 @@
                 <a:ea typeface="Monaco"/>
                 <a:cs typeface="Monaco"/>
               </a:rPr>
+              <a:t>{</a:t>
+            </a:r>
+          </a:p>
+          <a:p>
+            <a:r>
+              <a:rPr lang="en-US" sz="1200" dirty="0">
+                <a:solidFill>
+                  <a:srgbClr val="000000"/>
+                </a:solidFill>
+                <a:latin typeface="Monaco"/>
+                <a:ea typeface="Monaco"/>
+                <a:cs typeface="Monaco"/>
+              </a:rPr>
               <a:t>  </a:t>
             </a:r>
             <a:r>
@@ -13881,7 +14309,18 @@
                 <a:ea typeface="Monaco"/>
                 <a:cs typeface="Monaco"/>
               </a:rPr>
-              <a:t>    callback(</a:t>
+              <a:t>    </a:t>
+            </a:r>
+            <a:r>
+              <a:rPr lang="en-US" sz="1200" dirty="0" smtClean="0">
+                <a:solidFill>
+                  <a:srgbClr val="000000"/>
+                </a:solidFill>
+                <a:latin typeface="Monaco"/>
+                <a:ea typeface="Monaco"/>
+                <a:cs typeface="Monaco"/>
+              </a:rPr>
+              <a:t>done(</a:t>
             </a:r>
             <a:r>
               <a:rPr lang="en-US" sz="1200" dirty="0">

--- a/node/lesson-65-async/async.pptx
+++ b/node/lesson-65-async/async.pptx
@@ -33,7 +33,7 @@
   <p:sldSz cx="9144000" cy="6858000" type="screen4x3"/>
   <p:notesSz cx="6858000" cy="9144000"/>
   <p:custDataLst>
-    <p:tags r:id="rId23"/>
+    <p:tags r:id="rId22"/>
   </p:custDataLst>
   <p:defaultTextStyle>
     <a:defPPr>
@@ -130,6 +130,71 @@
       </a:defRPr>
     </a:lvl9pPr>
   </p:defaultTextStyle>
+  <p:extLst>
+    <p:ext uri="{EFAFB233-063F-42B5-8137-9DF3F51BA10A}">
+      <p15:sldGuideLst xmlns:p15="http://schemas.microsoft.com/office/powerpoint/2012/main">
+        <p15:guide id="1" orient="horz" pos="4176">
+          <p15:clr>
+            <a:srgbClr val="A4A3A4"/>
+          </p15:clr>
+        </p15:guide>
+        <p15:guide id="2" orient="horz" pos="607">
+          <p15:clr>
+            <a:srgbClr val="A4A3A4"/>
+          </p15:clr>
+        </p15:guide>
+        <p15:guide id="3" orient="horz" pos="212">
+          <p15:clr>
+            <a:srgbClr val="A4A3A4"/>
+          </p15:clr>
+        </p15:guide>
+        <p15:guide id="4" orient="horz" pos="912">
+          <p15:clr>
+            <a:srgbClr val="A4A3A4"/>
+          </p15:clr>
+        </p15:guide>
+        <p15:guide id="5" orient="horz" pos="3969">
+          <p15:clr>
+            <a:srgbClr val="A4A3A4"/>
+          </p15:clr>
+        </p15:guide>
+        <p15:guide id="6" pos="1267">
+          <p15:clr>
+            <a:srgbClr val="A4A3A4"/>
+          </p15:clr>
+        </p15:guide>
+        <p15:guide id="7" pos="382">
+          <p15:clr>
+            <a:srgbClr val="A4A3A4"/>
+          </p15:clr>
+        </p15:guide>
+        <p15:guide id="8" pos="2880">
+          <p15:clr>
+            <a:srgbClr val="A4A3A4"/>
+          </p15:clr>
+        </p15:guide>
+        <p15:guide id="9" pos="5568">
+          <p15:clr>
+            <a:srgbClr val="A4A3A4"/>
+          </p15:clr>
+        </p15:guide>
+      </p15:sldGuideLst>
+    </p:ext>
+    <p:ext uri="{2D200454-40CA-4A62-9FC3-DE9A4176ACB9}">
+      <p15:notesGuideLst xmlns:p15="http://schemas.microsoft.com/office/powerpoint/2012/main">
+        <p15:guide id="1" orient="horz" pos="2880">
+          <p15:clr>
+            <a:srgbClr val="A4A3A4"/>
+          </p15:clr>
+        </p15:guide>
+        <p15:guide id="2" pos="2160">
+          <p15:clr>
+            <a:srgbClr val="A4A3A4"/>
+          </p15:clr>
+        </p15:guide>
+      </p15:notesGuideLst>
+    </p:ext>
+  </p:extLst>
 </p:presentation>
 </file>
 
@@ -1233,7 +1298,7 @@
   <p:timing>
     <p:tnLst>
       <p:par>
-        <p:cTn xmlns:p14="http://schemas.microsoft.com/office/powerpoint/2010/main" id="1" dur="indefinite" restart="never" nodeType="tmRoot"/>
+        <p:cTn id="1" dur="indefinite" restart="never" nodeType="tmRoot"/>
       </p:par>
     </p:tnLst>
   </p:timing>
@@ -1289,7 +1354,7 @@
           <a:noFill/>
           <a:extLst>
             <a:ext uri="{909E8E84-426E-40dd-AFC4-6F175D3DCCD1}">
-              <a14:hiddenFill xmlns:a14="http://schemas.microsoft.com/office/drawing/2010/main">
+              <a14:hiddenFill xmlns:a14="http://schemas.microsoft.com/office/drawing/2010/main" xmlns="">
                 <a:solidFill>
                   <a:srgbClr val="FFFFFF"/>
                 </a:solidFill>
@@ -1444,7 +1509,7 @@
   <p:timing>
     <p:tnLst>
       <p:par>
-        <p:cTn xmlns:p14="http://schemas.microsoft.com/office/powerpoint/2010/main" id="1" dur="indefinite" restart="never" nodeType="tmRoot"/>
+        <p:cTn id="1" dur="indefinite" restart="never" nodeType="tmRoot"/>
       </p:par>
     </p:tnLst>
   </p:timing>
@@ -1899,7 +1964,7 @@
   <p:timing>
     <p:tnLst>
       <p:par>
-        <p:cTn xmlns:p14="http://schemas.microsoft.com/office/powerpoint/2010/main" id="1" dur="indefinite" restart="never" nodeType="tmRoot"/>
+        <p:cTn id="1" dur="indefinite" restart="never" nodeType="tmRoot"/>
       </p:par>
     </p:tnLst>
   </p:timing>
@@ -2239,7 +2304,7 @@
   <p:timing>
     <p:tnLst>
       <p:par>
-        <p:cTn xmlns:p14="http://schemas.microsoft.com/office/powerpoint/2010/main" id="1" dur="indefinite" restart="never" nodeType="tmRoot"/>
+        <p:cTn id="1" dur="indefinite" restart="never" nodeType="tmRoot"/>
       </p:par>
     </p:tnLst>
   </p:timing>
@@ -2727,7 +2792,7 @@
   <p:timing>
     <p:tnLst>
       <p:par>
-        <p:cTn xmlns:p14="http://schemas.microsoft.com/office/powerpoint/2010/main" id="1" dur="indefinite" restart="never" nodeType="tmRoot"/>
+        <p:cTn id="1" dur="indefinite" restart="never" nodeType="tmRoot"/>
       </p:par>
     </p:tnLst>
   </p:timing>
@@ -3086,7 +3151,7 @@
   <p:timing>
     <p:tnLst>
       <p:par>
-        <p:cTn xmlns:p14="http://schemas.microsoft.com/office/powerpoint/2010/main" id="1" dur="indefinite" restart="never" nodeType="tmRoot"/>
+        <p:cTn id="1" dur="indefinite" restart="never" nodeType="tmRoot"/>
       </p:par>
     </p:tnLst>
   </p:timing>
@@ -4093,7 +4158,7 @@
   <p:timing>
     <p:tnLst>
       <p:par>
-        <p:cTn xmlns:p14="http://schemas.microsoft.com/office/powerpoint/2010/main" id="1" dur="indefinite" restart="never" nodeType="tmRoot"/>
+        <p:cTn id="1" dur="indefinite" restart="never" nodeType="tmRoot"/>
       </p:par>
     </p:tnLst>
   </p:timing>
@@ -4228,7 +4293,7 @@
   <p:timing>
     <p:tnLst>
       <p:par>
-        <p:cTn xmlns:p14="http://schemas.microsoft.com/office/powerpoint/2010/main" id="1" dur="indefinite" restart="never" nodeType="tmRoot"/>
+        <p:cTn id="1" dur="indefinite" restart="never" nodeType="tmRoot"/>
       </p:par>
     </p:tnLst>
   </p:timing>
@@ -4432,7 +4497,7 @@
         <p:spPr>
           <a:xfrm>
             <a:off x="457199" y="1725983"/>
-            <a:ext cx="5840981" cy="4713599"/>
+            <a:ext cx="5474576" cy="4713598"/>
           </a:xfrm>
           <a:prstGeom prst="rect">
             <a:avLst/>
@@ -4522,7 +4587,29 @@
                 <a:ea typeface="Monaco"/>
                 <a:cs typeface="Monaco"/>
               </a:rPr>
-              <a:t> : function(callback) {</a:t>
+              <a:t> : </a:t>
+            </a:r>
+            <a:r>
+              <a:rPr lang="en-US" sz="1050" dirty="0" smtClean="0">
+                <a:solidFill>
+                  <a:srgbClr val="000000"/>
+                </a:solidFill>
+                <a:latin typeface="Monaco"/>
+                <a:ea typeface="Monaco"/>
+                <a:cs typeface="Monaco"/>
+              </a:rPr>
+              <a:t>function(done) </a:t>
+            </a:r>
+            <a:r>
+              <a:rPr lang="en-US" sz="1050" dirty="0">
+                <a:solidFill>
+                  <a:srgbClr val="000000"/>
+                </a:solidFill>
+                <a:latin typeface="Monaco"/>
+                <a:ea typeface="Monaco"/>
+                <a:cs typeface="Monaco"/>
+              </a:rPr>
+              <a:t>{</a:t>
             </a:r>
           </a:p>
           <a:p>
@@ -4592,7 +4679,40 @@
                 <a:ea typeface="Monaco"/>
                 <a:cs typeface="Monaco"/>
               </a:rPr>
-              <a:t>    callback(null, 'data', 'converted to array');</a:t>
+              <a:t>    </a:t>
+            </a:r>
+            <a:r>
+              <a:rPr lang="en-US" sz="1050" dirty="0" smtClean="0">
+                <a:solidFill>
+                  <a:srgbClr val="000000"/>
+                </a:solidFill>
+                <a:latin typeface="Monaco"/>
+                <a:ea typeface="Monaco"/>
+                <a:cs typeface="Monaco"/>
+              </a:rPr>
+              <a:t>done</a:t>
+            </a:r>
+            <a:r>
+              <a:rPr lang="en-US" sz="1050" dirty="0" smtClean="0">
+                <a:solidFill>
+                  <a:srgbClr val="000000"/>
+                </a:solidFill>
+                <a:latin typeface="Monaco"/>
+                <a:ea typeface="Monaco"/>
+                <a:cs typeface="Monaco"/>
+              </a:rPr>
+              <a:t>(null</a:t>
+            </a:r>
+            <a:r>
+              <a:rPr lang="en-US" sz="1050" dirty="0">
+                <a:solidFill>
+                  <a:srgbClr val="000000"/>
+                </a:solidFill>
+                <a:latin typeface="Monaco"/>
+                <a:ea typeface="Monaco"/>
+                <a:cs typeface="Monaco"/>
+              </a:rPr>
+              <a:t>, 'data', 'converted to array');</a:t>
             </a:r>
           </a:p>
           <a:p>
@@ -4662,7 +4782,29 @@
                 <a:ea typeface="Monaco"/>
                 <a:cs typeface="Monaco"/>
               </a:rPr>
-              <a:t> : function(callback) {</a:t>
+              <a:t> : </a:t>
+            </a:r>
+            <a:r>
+              <a:rPr lang="en-US" sz="1050" dirty="0" smtClean="0">
+                <a:solidFill>
+                  <a:srgbClr val="000000"/>
+                </a:solidFill>
+                <a:latin typeface="Monaco"/>
+                <a:ea typeface="Monaco"/>
+                <a:cs typeface="Monaco"/>
+              </a:rPr>
+              <a:t>function(done) </a:t>
+            </a:r>
+            <a:r>
+              <a:rPr lang="en-US" sz="1050" dirty="0">
+                <a:solidFill>
+                  <a:srgbClr val="000000"/>
+                </a:solidFill>
+                <a:latin typeface="Monaco"/>
+                <a:ea typeface="Monaco"/>
+                <a:cs typeface="Monaco"/>
+              </a:rPr>
+              <a:t>{</a:t>
             </a:r>
           </a:p>
           <a:p>
@@ -4732,7 +4874,40 @@
                 <a:ea typeface="Monaco"/>
                 <a:cs typeface="Monaco"/>
               </a:rPr>
-              <a:t>    callback(null, 'folder');</a:t>
+              <a:t>    </a:t>
+            </a:r>
+            <a:r>
+              <a:rPr lang="en-US" sz="1050" dirty="0" smtClean="0">
+                <a:solidFill>
+                  <a:srgbClr val="000000"/>
+                </a:solidFill>
+                <a:latin typeface="Monaco"/>
+                <a:ea typeface="Monaco"/>
+                <a:cs typeface="Monaco"/>
+              </a:rPr>
+              <a:t>done</a:t>
+            </a:r>
+            <a:r>
+              <a:rPr lang="en-US" sz="1050" dirty="0" smtClean="0">
+                <a:solidFill>
+                  <a:srgbClr val="000000"/>
+                </a:solidFill>
+                <a:latin typeface="Monaco"/>
+                <a:ea typeface="Monaco"/>
+                <a:cs typeface="Monaco"/>
+              </a:rPr>
+              <a:t>(null</a:t>
+            </a:r>
+            <a:r>
+              <a:rPr lang="en-US" sz="1050" dirty="0">
+                <a:solidFill>
+                  <a:srgbClr val="000000"/>
+                </a:solidFill>
+                <a:latin typeface="Monaco"/>
+                <a:ea typeface="Monaco"/>
+                <a:cs typeface="Monaco"/>
+              </a:rPr>
+              <a:t>, 'folder');</a:t>
             </a:r>
           </a:p>
           <a:p>
@@ -4846,7 +5021,29 @@
                 <a:ea typeface="Monaco"/>
                 <a:cs typeface="Monaco"/>
               </a:rPr>
-              <a:t>', function(callback, results) {</a:t>
+              <a:t>', </a:t>
+            </a:r>
+            <a:r>
+              <a:rPr lang="en-US" sz="1050" dirty="0" smtClean="0">
+                <a:solidFill>
+                  <a:srgbClr val="000000"/>
+                </a:solidFill>
+                <a:latin typeface="Monaco"/>
+                <a:ea typeface="Monaco"/>
+                <a:cs typeface="Monaco"/>
+              </a:rPr>
+              <a:t>function(done, </a:t>
+            </a:r>
+            <a:r>
+              <a:rPr lang="en-US" sz="1050" dirty="0">
+                <a:solidFill>
+                  <a:srgbClr val="000000"/>
+                </a:solidFill>
+                <a:latin typeface="Monaco"/>
+                <a:ea typeface="Monaco"/>
+                <a:cs typeface="Monaco"/>
+              </a:rPr>
+              <a:t>results) {</a:t>
             </a:r>
           </a:p>
           <a:p>
@@ -4916,7 +5113,40 @@
                 <a:ea typeface="Monaco"/>
                 <a:cs typeface="Monaco"/>
               </a:rPr>
-              <a:t>    callback(null, 'filename');</a:t>
+              <a:t>    </a:t>
+            </a:r>
+            <a:r>
+              <a:rPr lang="en-US" sz="1050" dirty="0" smtClean="0">
+                <a:solidFill>
+                  <a:srgbClr val="000000"/>
+                </a:solidFill>
+                <a:latin typeface="Monaco"/>
+                <a:ea typeface="Monaco"/>
+                <a:cs typeface="Monaco"/>
+              </a:rPr>
+              <a:t>done</a:t>
+            </a:r>
+            <a:r>
+              <a:rPr lang="en-US" sz="1050" dirty="0" smtClean="0">
+                <a:solidFill>
+                  <a:srgbClr val="000000"/>
+                </a:solidFill>
+                <a:latin typeface="Monaco"/>
+                <a:ea typeface="Monaco"/>
+                <a:cs typeface="Monaco"/>
+              </a:rPr>
+              <a:t>(null</a:t>
+            </a:r>
+            <a:r>
+              <a:rPr lang="en-US" sz="1050" dirty="0">
+                <a:solidFill>
+                  <a:srgbClr val="000000"/>
+                </a:solidFill>
+                <a:latin typeface="Monaco"/>
+                <a:ea typeface="Monaco"/>
+                <a:cs typeface="Monaco"/>
+              </a:rPr>
+              <a:t>, 'filename');</a:t>
             </a:r>
           </a:p>
           <a:p>
@@ -5008,7 +5238,29 @@
                 <a:ea typeface="Monaco"/>
                 <a:cs typeface="Monaco"/>
               </a:rPr>
-              <a:t>', function(callback, results) {</a:t>
+              <a:t>', </a:t>
+            </a:r>
+            <a:r>
+              <a:rPr lang="en-US" sz="1050" dirty="0" smtClean="0">
+                <a:solidFill>
+                  <a:srgbClr val="000000"/>
+                </a:solidFill>
+                <a:latin typeface="Monaco"/>
+                <a:ea typeface="Monaco"/>
+                <a:cs typeface="Monaco"/>
+              </a:rPr>
+              <a:t>function(done, </a:t>
+            </a:r>
+            <a:r>
+              <a:rPr lang="en-US" sz="1050" dirty="0">
+                <a:solidFill>
+                  <a:srgbClr val="000000"/>
+                </a:solidFill>
+                <a:latin typeface="Monaco"/>
+                <a:ea typeface="Monaco"/>
+                <a:cs typeface="Monaco"/>
+              </a:rPr>
+              <a:t>results) {</a:t>
             </a:r>
           </a:p>
           <a:p>
@@ -5078,7 +5330,40 @@
                 <a:ea typeface="Monaco"/>
                 <a:cs typeface="Monaco"/>
               </a:rPr>
-              <a:t>    callback(null, {</a:t>
+              <a:t>    </a:t>
+            </a:r>
+            <a:r>
+              <a:rPr lang="en-US" sz="1050" dirty="0" smtClean="0">
+                <a:solidFill>
+                  <a:srgbClr val="000000"/>
+                </a:solidFill>
+                <a:latin typeface="Monaco"/>
+                <a:ea typeface="Monaco"/>
+                <a:cs typeface="Monaco"/>
+              </a:rPr>
+              <a:t>done</a:t>
+            </a:r>
+            <a:r>
+              <a:rPr lang="en-US" sz="1050" dirty="0" smtClean="0">
+                <a:solidFill>
+                  <a:srgbClr val="000000"/>
+                </a:solidFill>
+                <a:latin typeface="Monaco"/>
+                <a:ea typeface="Monaco"/>
+                <a:cs typeface="Monaco"/>
+              </a:rPr>
+              <a:t>(null</a:t>
+            </a:r>
+            <a:r>
+              <a:rPr lang="en-US" sz="1050" dirty="0">
+                <a:solidFill>
+                  <a:srgbClr val="000000"/>
+                </a:solidFill>
+                <a:latin typeface="Monaco"/>
+                <a:ea typeface="Monaco"/>
+                <a:cs typeface="Monaco"/>
+              </a:rPr>
+              <a:t>, {</a:t>
             </a:r>
           </a:p>
           <a:p>
@@ -5887,7 +6172,7 @@
   <p:timing>
     <p:tnLst>
       <p:par>
-        <p:cTn xmlns:p14="http://schemas.microsoft.com/office/powerpoint/2010/main" id="1" dur="indefinite" restart="never" nodeType="tmRoot"/>
+        <p:cTn id="1" dur="indefinite" restart="never" nodeType="tmRoot"/>
       </p:par>
     </p:tnLst>
   </p:timing>
@@ -6270,7 +6555,7 @@
   <p:timing>
     <p:tnLst>
       <p:par>
-        <p:cTn xmlns:p14="http://schemas.microsoft.com/office/powerpoint/2010/main" id="1" dur="indefinite" restart="never" nodeType="tmRoot"/>
+        <p:cTn id="1" dur="indefinite" restart="never" nodeType="tmRoot"/>
       </p:par>
     </p:tnLst>
   </p:timing>
@@ -6616,7 +6901,7 @@
   <p:timing>
     <p:tnLst>
       <p:par>
-        <p:cTn xmlns:p14="http://schemas.microsoft.com/office/powerpoint/2010/main" id="1" dur="indefinite" restart="never" nodeType="tmRoot"/>
+        <p:cTn id="1" dur="indefinite" restart="never" nodeType="tmRoot"/>
       </p:par>
     </p:tnLst>
   </p:timing>
@@ -6890,7 +7175,25 @@
                 </a:solidFill>
                 <a:latin typeface="Monaco"/>
               </a:rPr>
-              <a:t> read(file, callback) {</a:t>
+              <a:t> read(file, </a:t>
+            </a:r>
+            <a:r>
+              <a:rPr lang="en-US" sz="1100" b="1" dirty="0" smtClean="0">
+                <a:solidFill>
+                  <a:srgbClr val="000000"/>
+                </a:solidFill>
+                <a:latin typeface="Monaco"/>
+              </a:rPr>
+              <a:t>done) </a:t>
+            </a:r>
+            <a:r>
+              <a:rPr lang="en-US" sz="1100" b="1" dirty="0">
+                <a:solidFill>
+                  <a:srgbClr val="000000"/>
+                </a:solidFill>
+                <a:latin typeface="Monaco"/>
+              </a:rPr>
+              <a:t>{</a:t>
             </a:r>
           </a:p>
           <a:p>
@@ -6995,19 +7298,10 @@
                 </a:solidFill>
                 <a:latin typeface="Monaco"/>
               </a:rPr>
-              <a:t>     </a:t>
-            </a:r>
-            <a:r>
-              <a:rPr lang="en-US" sz="1100">
-                <a:solidFill>
-                  <a:srgbClr val="000000"/>
-                </a:solidFill>
-                <a:latin typeface="Monaco"/>
-              </a:rPr>
-              <a:t> </a:t>
-            </a:r>
-            <a:r>
-              <a:rPr lang="en-US" sz="1100" smtClean="0">
+              <a:t>      </a:t>
+            </a:r>
+            <a:r>
+              <a:rPr lang="en-US" sz="1100" dirty="0" smtClean="0">
                 <a:solidFill>
                   <a:srgbClr val="000000"/>
                 </a:solidFill>
@@ -7073,8 +7367,23 @@
                 </a:solidFill>
                 <a:latin typeface="Monaco"/>
               </a:rPr>
-              <a:t>    callback();</a:t>
-            </a:r>
+              <a:t>    </a:t>
+            </a:r>
+            <a:r>
+              <a:rPr lang="en-US" sz="1100" dirty="0" smtClean="0">
+                <a:solidFill>
+                  <a:srgbClr val="000000"/>
+                </a:solidFill>
+                <a:latin typeface="Monaco"/>
+              </a:rPr>
+              <a:t>done();</a:t>
+            </a:r>
+            <a:endParaRPr lang="en-US" sz="1100" dirty="0">
+              <a:solidFill>
+                <a:srgbClr val="000000"/>
+              </a:solidFill>
+              <a:latin typeface="Monaco"/>
+            </a:endParaRPr>
           </a:p>
           <a:p>
             <a:r>
@@ -7412,7 +7721,7 @@
                 <a:latin typeface="Monaco"/>
                 <a:cs typeface="Monaco"/>
               </a:rPr>
-              <a:t>callback</a:t>
+              <a:t>done</a:t>
             </a:r>
             <a:r>
               <a:rPr kumimoji="0" lang="en-US" sz="2000" i="1" u="none" strike="noStrike" cap="none" normalizeH="0" baseline="0" dirty="0" smtClean="0">
@@ -7427,7 +7736,22 @@
                 <a:effectLst/>
                 <a:latin typeface="Calibri" pitchFamily="34" charset="0"/>
               </a:rPr>
-              <a:t> with non-</a:t>
+              <a:t> </a:t>
+            </a:r>
+            <a:r>
+              <a:rPr kumimoji="0" lang="en-US" sz="2000" i="1" u="none" strike="noStrike" cap="none" normalizeH="0" baseline="0" dirty="0" smtClean="0">
+                <a:ln>
+                  <a:noFill/>
+                </a:ln>
+                <a:solidFill>
+                  <a:schemeClr val="tx2">
+                    <a:lumMod val="75000"/>
+                  </a:schemeClr>
+                </a:solidFill>
+                <a:effectLst/>
+                <a:latin typeface="Calibri" pitchFamily="34" charset="0"/>
+              </a:rPr>
+              <a:t>with non-</a:t>
             </a:r>
             <a:r>
               <a:rPr kumimoji="0" lang="en-US" sz="1600" i="1" u="none" strike="noStrike" cap="none" normalizeH="0" baseline="0" dirty="0" smtClean="0">
@@ -7638,7 +7962,19 @@
                 <a:latin typeface="Monaco"/>
                 <a:cs typeface="Monaco"/>
               </a:rPr>
-              <a:t>function(element, callback)</a:t>
+              <a:t>function(element, </a:t>
+            </a:r>
+            <a:r>
+              <a:rPr lang="en-US" sz="1600" i="1" dirty="0" smtClean="0">
+                <a:solidFill>
+                  <a:schemeClr val="tx2">
+                    <a:lumMod val="75000"/>
+                  </a:schemeClr>
+                </a:solidFill>
+                <a:latin typeface="Monaco"/>
+                <a:cs typeface="Monaco"/>
+              </a:rPr>
+              <a:t>done)</a:t>
             </a:r>
             <a:endParaRPr kumimoji="0" lang="en-US" sz="1600" i="1" u="none" strike="noStrike" cap="none" normalizeH="0" baseline="0" dirty="0" smtClean="0">
               <a:ln>
@@ -7677,7 +8013,7 @@
   <p:timing>
     <p:tnLst>
       <p:par>
-        <p:cTn xmlns:p14="http://schemas.microsoft.com/office/powerpoint/2010/main" id="1" dur="indefinite" restart="never" nodeType="tmRoot">
+        <p:cTn id="1" dur="indefinite" restart="never" nodeType="tmRoot">
           <p:childTnLst>
             <p:seq concurrent="1" nextAc="seek">
               <p:cTn id="2" dur="indefinite" nodeType="mainSeq">
@@ -8247,7 +8583,7 @@
   <p:timing>
     <p:tnLst>
       <p:par>
-        <p:cTn xmlns:p14="http://schemas.microsoft.com/office/powerpoint/2010/main" id="1" dur="indefinite" restart="never" nodeType="tmRoot"/>
+        <p:cTn id="1" dur="indefinite" restart="never" nodeType="tmRoot"/>
       </p:par>
     </p:tnLst>
   </p:timing>
@@ -8428,7 +8764,7 @@
         <p:spPr>
           <a:xfrm>
             <a:off x="457199" y="2228434"/>
-            <a:ext cx="5009849" cy="2800766"/>
+            <a:ext cx="5027338" cy="2800767"/>
           </a:xfrm>
           <a:prstGeom prst="rect">
             <a:avLst/>
@@ -8532,7 +8868,36 @@
                 </a:solidFill>
                 <a:latin typeface="Monaco"/>
               </a:rPr>
-              <a:t> square(it, callback) {</a:t>
+              <a:t> square(it, </a:t>
+            </a:r>
+            <a:r>
+              <a:rPr lang="en-US" sz="1100" b="1" dirty="0" smtClean="0">
+                <a:solidFill>
+                  <a:srgbClr val="000000"/>
+                </a:solidFill>
+                <a:latin typeface="Monaco"/>
+              </a:rPr>
+              <a:t>done) {</a:t>
+            </a:r>
+          </a:p>
+          <a:p>
+            <a:r>
+              <a:rPr lang="en-US" sz="1100" b="1" dirty="0">
+                <a:solidFill>
+                  <a:srgbClr val="000000"/>
+                </a:solidFill>
+                <a:latin typeface="Monaco"/>
+              </a:rPr>
+              <a:t> </a:t>
+            </a:r>
+            <a:r>
+              <a:rPr lang="en-US" sz="1100" b="1" dirty="0" smtClean="0">
+                <a:solidFill>
+                  <a:srgbClr val="000000"/>
+                </a:solidFill>
+                <a:latin typeface="Monaco"/>
+              </a:rPr>
+              <a:t>  if (it &gt;= 0) {</a:t>
             </a:r>
           </a:p>
           <a:p>
@@ -8543,17 +8908,46 @@
                 </a:solidFill>
                 <a:latin typeface="Monaco"/>
               </a:rPr>
-              <a:t>  </a:t>
+              <a:t> </a:t>
+            </a:r>
+            <a:r>
+              <a:rPr lang="en-US" sz="1100" dirty="0" smtClean="0">
+                <a:solidFill>
+                  <a:srgbClr val="000000"/>
+                </a:solidFill>
+                <a:latin typeface="Monaco"/>
+              </a:rPr>
+              <a:t>     done(</a:t>
+            </a:r>
+            <a:r>
+              <a:rPr lang="en-US" sz="1100" b="1" dirty="0" smtClean="0">
+                <a:solidFill>
+                  <a:srgbClr val="7F0055"/>
+                </a:solidFill>
+                <a:latin typeface="Monaco"/>
+              </a:rPr>
+              <a:t>null</a:t>
             </a:r>
             <a:r>
               <a:rPr lang="en-US" sz="1100" b="1" dirty="0">
                 <a:solidFill>
-                  <a:srgbClr val="7F0055"/>
-                </a:solidFill>
-                <a:latin typeface="Monaco"/>
-              </a:rPr>
-              <a:t>try</a:t>
-            </a:r>
+                  <a:srgbClr val="000000"/>
+                </a:solidFill>
+                <a:latin typeface="Monaco"/>
+              </a:rPr>
+              <a:t>, it * it</a:t>
+            </a:r>
+            <a:r>
+              <a:rPr lang="en-US" sz="1100" b="1" dirty="0" smtClean="0">
+                <a:solidFill>
+                  <a:srgbClr val="000000"/>
+                </a:solidFill>
+                <a:latin typeface="Monaco"/>
+              </a:rPr>
+              <a:t>);</a:t>
+            </a:r>
+          </a:p>
+          <a:p>
             <a:r>
               <a:rPr lang="en-US" sz="1100" b="1" dirty="0">
                 <a:solidFill>
@@ -8561,27 +8955,42 @@
                 </a:solidFill>
                 <a:latin typeface="Monaco"/>
               </a:rPr>
-              <a:t> {</a:t>
-            </a:r>
-          </a:p>
-          <a:p>
-            <a:r>
-              <a:rPr lang="en-US" sz="1100" dirty="0">
-                <a:solidFill>
-                  <a:srgbClr val="000000"/>
-                </a:solidFill>
-                <a:latin typeface="Monaco"/>
-              </a:rPr>
-              <a:t>    callback(</a:t>
-            </a:r>
+              <a:t> </a:t>
+            </a:r>
+            <a:r>
+              <a:rPr lang="en-US" sz="1100" b="1" dirty="0" smtClean="0">
+                <a:solidFill>
+                  <a:srgbClr val="000000"/>
+                </a:solidFill>
+                <a:latin typeface="Monaco"/>
+              </a:rPr>
+              <a:t>  } else {</a:t>
+            </a:r>
+            <a:endParaRPr lang="en-US" sz="1100" b="1" dirty="0">
+              <a:solidFill>
+                <a:srgbClr val="000000"/>
+              </a:solidFill>
+              <a:latin typeface="Monaco"/>
+            </a:endParaRPr>
+          </a:p>
+          <a:p>
             <a:r>
               <a:rPr lang="en-US" sz="1100" b="1" dirty="0">
                 <a:solidFill>
-                  <a:srgbClr val="7F0055"/>
-                </a:solidFill>
-                <a:latin typeface="Monaco"/>
-              </a:rPr>
-              <a:t>null</a:t>
+                  <a:srgbClr val="000000"/>
+                </a:solidFill>
+                <a:latin typeface="Monaco"/>
+              </a:rPr>
+              <a:t> </a:t>
+            </a:r>
+            <a:r>
+              <a:rPr lang="en-US" sz="1100" b="1" dirty="0" smtClean="0">
+                <a:solidFill>
+                  <a:srgbClr val="000000"/>
+                </a:solidFill>
+                <a:latin typeface="Monaco"/>
+              </a:rPr>
+              <a:t>     done</a:t>
             </a:r>
             <a:r>
               <a:rPr lang="en-US" sz="1100" b="1" dirty="0">
@@ -8590,63 +8999,38 @@
                 </a:solidFill>
                 <a:latin typeface="Monaco"/>
               </a:rPr>
-              <a:t>, it * it);</a:t>
-            </a:r>
-          </a:p>
-          <a:p>
-            <a:r>
-              <a:rPr lang="en-US" sz="1100" dirty="0">
-                <a:solidFill>
-                  <a:srgbClr val="000000"/>
-                </a:solidFill>
-                <a:latin typeface="Monaco"/>
-              </a:rPr>
-              <a:t>  } </a:t>
-            </a:r>
-            <a:r>
-              <a:rPr lang="en-US" sz="1100" b="1" dirty="0">
-                <a:solidFill>
-                  <a:srgbClr val="7F0055"/>
-                </a:solidFill>
-                <a:latin typeface="Monaco"/>
-              </a:rPr>
-              <a:t>catch</a:t>
-            </a:r>
-            <a:r>
-              <a:rPr lang="en-US" sz="1100" b="1" dirty="0">
-                <a:solidFill>
-                  <a:srgbClr val="000000"/>
-                </a:solidFill>
-                <a:latin typeface="Monaco"/>
-              </a:rPr>
-              <a:t> (x) {</a:t>
-            </a:r>
-          </a:p>
-          <a:p>
-            <a:r>
-              <a:rPr lang="en-US" sz="1100" dirty="0">
-                <a:solidFill>
-                  <a:srgbClr val="000000"/>
-                </a:solidFill>
-                <a:latin typeface="Monaco"/>
-              </a:rPr>
-              <a:t>    callback(x);</a:t>
-            </a:r>
-          </a:p>
-          <a:p>
-            <a:r>
-              <a:rPr lang="en-US" sz="1100" dirty="0">
-                <a:solidFill>
-                  <a:srgbClr val="000000"/>
-                </a:solidFill>
-                <a:latin typeface="Monaco"/>
-              </a:rPr>
-              <a:t>  }</a:t>
-            </a:r>
-          </a:p>
-          <a:p>
-            <a:r>
-              <a:rPr lang="en-US" sz="1100" dirty="0">
+              <a:t>(‘the number is less than zero</a:t>
+            </a:r>
+            <a:r>
+              <a:rPr lang="en-US" sz="1100" b="1" dirty="0" smtClean="0">
+                <a:solidFill>
+                  <a:srgbClr val="000000"/>
+                </a:solidFill>
+                <a:latin typeface="Monaco"/>
+              </a:rPr>
+              <a:t>’);</a:t>
+            </a:r>
+          </a:p>
+          <a:p>
+            <a:r>
+              <a:rPr lang="en-US" sz="1100" b="1" dirty="0" smtClean="0">
+                <a:solidFill>
+                  <a:srgbClr val="000000"/>
+                </a:solidFill>
+                <a:latin typeface="Monaco"/>
+              </a:rPr>
+              <a:t>   }</a:t>
+            </a:r>
+            <a:endParaRPr lang="en-US" sz="1100" b="1" dirty="0">
+              <a:solidFill>
+                <a:srgbClr val="000000"/>
+              </a:solidFill>
+              <a:latin typeface="Monaco"/>
+            </a:endParaRPr>
+          </a:p>
+          <a:p>
+            <a:r>
+              <a:rPr lang="en-US" sz="1100" dirty="0" smtClean="0">
                 <a:solidFill>
                   <a:srgbClr val="000000"/>
                 </a:solidFill>
@@ -8807,7 +9191,7 @@
         </p:nvSpPr>
         <p:spPr bwMode="auto">
           <a:xfrm>
-            <a:off x="5715000" y="2971800"/>
+            <a:off x="5701024" y="2975155"/>
             <a:ext cx="2989745" cy="707886"/>
           </a:xfrm>
           <a:prstGeom prst="wedgeRectCallout">
@@ -9043,7 +9427,7 @@
   <p:timing>
     <p:tnLst>
       <p:par>
-        <p:cTn xmlns:p14="http://schemas.microsoft.com/office/powerpoint/2010/main" id="1" dur="indefinite" restart="never" nodeType="tmRoot"/>
+        <p:cTn id="1" dur="indefinite" restart="never" nodeType="tmRoot"/>
       </p:par>
     </p:tnLst>
   </p:timing>
@@ -9291,7 +9675,7 @@
   <p:timing>
     <p:tnLst>
       <p:par>
-        <p:cTn xmlns:p14="http://schemas.microsoft.com/office/powerpoint/2010/main" id="1" dur="indefinite" restart="never" nodeType="tmRoot"/>
+        <p:cTn id="1" dur="indefinite" restart="never" nodeType="tmRoot"/>
       </p:par>
     </p:tnLst>
   </p:timing>
@@ -9496,7 +9880,7 @@
   <p:timing>
     <p:tnLst>
       <p:par>
-        <p:cTn xmlns:p14="http://schemas.microsoft.com/office/powerpoint/2010/main" id="1" dur="indefinite" restart="never" nodeType="tmRoot"/>
+        <p:cTn id="1" dur="indefinite" restart="never" nodeType="tmRoot"/>
       </p:par>
     </p:tnLst>
   </p:timing>
@@ -11098,7 +11482,7 @@
   <p:timing>
     <p:tnLst>
       <p:par>
-        <p:cTn xmlns:p14="http://schemas.microsoft.com/office/powerpoint/2010/main" id="1" dur="indefinite" restart="never" nodeType="tmRoot">
+        <p:cTn id="1" dur="indefinite" restart="never" nodeType="tmRoot">
           <p:childTnLst>
             <p:seq concurrent="1" nextAc="seek">
               <p:cTn id="2" dur="indefinite" nodeType="mainSeq">
@@ -11362,7 +11746,7 @@
   <p:timing>
     <p:tnLst>
       <p:par>
-        <p:cTn xmlns:p14="http://schemas.microsoft.com/office/powerpoint/2010/main" id="1" dur="indefinite" restart="never" nodeType="tmRoot"/>
+        <p:cTn id="1" dur="indefinite" restart="never" nodeType="tmRoot"/>
       </p:par>
     </p:tnLst>
   </p:timing>
@@ -11767,7 +12151,7 @@
   <p:timing>
     <p:tnLst>
       <p:par>
-        <p:cTn xmlns:p14="http://schemas.microsoft.com/office/powerpoint/2010/main" id="1" dur="indefinite" restart="never" nodeType="tmRoot"/>
+        <p:cTn id="1" dur="indefinite" restart="never" nodeType="tmRoot"/>
       </p:par>
     </p:tnLst>
   </p:timing>
@@ -12628,7 +13012,7 @@
   <p:timing>
     <p:tnLst>
       <p:par>
-        <p:cTn xmlns:p14="http://schemas.microsoft.com/office/powerpoint/2010/main" id="1" dur="indefinite" restart="never" nodeType="tmRoot"/>
+        <p:cTn id="1" dur="indefinite" restart="never" nodeType="tmRoot"/>
       </p:par>
     </p:tnLst>
   </p:timing>
@@ -13653,7 +14037,7 @@
   <p:timing>
     <p:tnLst>
       <p:par>
-        <p:cTn xmlns:p14="http://schemas.microsoft.com/office/powerpoint/2010/main" id="1" dur="indefinite" restart="never" nodeType="tmRoot"/>
+        <p:cTn id="1" dur="indefinite" restart="never" nodeType="tmRoot"/>
       </p:par>
     </p:tnLst>
   </p:timing>
@@ -13820,7 +14204,7 @@
   <p:timing>
     <p:tnLst>
       <p:par>
-        <p:cTn xmlns:p14="http://schemas.microsoft.com/office/powerpoint/2010/main" id="1" dur="indefinite" restart="never" nodeType="tmRoot"/>
+        <p:cTn id="1" dur="indefinite" restart="never" nodeType="tmRoot"/>
       </p:par>
     </p:tnLst>
   </p:timing>
@@ -14982,7 +15366,7 @@
   <p:timing>
     <p:tnLst>
       <p:par>
-        <p:cTn xmlns:p14="http://schemas.microsoft.com/office/powerpoint/2010/main" id="1" dur="indefinite" restart="never" nodeType="tmRoot"/>
+        <p:cTn id="1" dur="indefinite" restart="never" nodeType="tmRoot"/>
       </p:par>
     </p:tnLst>
   </p:timing>

--- a/node/lesson-65-async/async.pptx
+++ b/node/lesson-65-async/async.pptx
@@ -1354,7 +1354,7 @@
           <a:noFill/>
           <a:extLst>
             <a:ext uri="{909E8E84-426E-40dd-AFC4-6F175D3DCCD1}">
-              <a14:hiddenFill xmlns:a14="http://schemas.microsoft.com/office/drawing/2010/main" xmlns="">
+              <a14:hiddenFill xmlns="" xmlns:a14="http://schemas.microsoft.com/office/drawing/2010/main">
                 <a:solidFill>
                   <a:srgbClr val="FFFFFF"/>
                 </a:solidFill>
@@ -4690,18 +4690,7 @@
                 <a:ea typeface="Monaco"/>
                 <a:cs typeface="Monaco"/>
               </a:rPr>
-              <a:t>done</a:t>
-            </a:r>
-            <a:r>
-              <a:rPr lang="en-US" sz="1050" dirty="0" smtClean="0">
-                <a:solidFill>
-                  <a:srgbClr val="000000"/>
-                </a:solidFill>
-                <a:latin typeface="Monaco"/>
-                <a:ea typeface="Monaco"/>
-                <a:cs typeface="Monaco"/>
-              </a:rPr>
-              <a:t>(null</a:t>
+              <a:t>done(null</a:t>
             </a:r>
             <a:r>
               <a:rPr lang="en-US" sz="1050" dirty="0">
@@ -4885,18 +4874,7 @@
                 <a:ea typeface="Monaco"/>
                 <a:cs typeface="Monaco"/>
               </a:rPr>
-              <a:t>done</a:t>
-            </a:r>
-            <a:r>
-              <a:rPr lang="en-US" sz="1050" dirty="0" smtClean="0">
-                <a:solidFill>
-                  <a:srgbClr val="000000"/>
-                </a:solidFill>
-                <a:latin typeface="Monaco"/>
-                <a:ea typeface="Monaco"/>
-                <a:cs typeface="Monaco"/>
-              </a:rPr>
-              <a:t>(null</a:t>
+              <a:t>done(null</a:t>
             </a:r>
             <a:r>
               <a:rPr lang="en-US" sz="1050" dirty="0">
@@ -5124,18 +5102,7 @@
                 <a:ea typeface="Monaco"/>
                 <a:cs typeface="Monaco"/>
               </a:rPr>
-              <a:t>done</a:t>
-            </a:r>
-            <a:r>
-              <a:rPr lang="en-US" sz="1050" dirty="0" smtClean="0">
-                <a:solidFill>
-                  <a:srgbClr val="000000"/>
-                </a:solidFill>
-                <a:latin typeface="Monaco"/>
-                <a:ea typeface="Monaco"/>
-                <a:cs typeface="Monaco"/>
-              </a:rPr>
-              <a:t>(null</a:t>
+              <a:t>done(null</a:t>
             </a:r>
             <a:r>
               <a:rPr lang="en-US" sz="1050" dirty="0">
@@ -5341,18 +5308,7 @@
                 <a:ea typeface="Monaco"/>
                 <a:cs typeface="Monaco"/>
               </a:rPr>
-              <a:t>done</a:t>
-            </a:r>
-            <a:r>
-              <a:rPr lang="en-US" sz="1050" dirty="0" smtClean="0">
-                <a:solidFill>
-                  <a:srgbClr val="000000"/>
-                </a:solidFill>
-                <a:latin typeface="Monaco"/>
-                <a:ea typeface="Monaco"/>
-                <a:cs typeface="Monaco"/>
-              </a:rPr>
-              <a:t>(null</a:t>
+              <a:t>done(null</a:t>
             </a:r>
             <a:r>
               <a:rPr lang="en-US" sz="1050" dirty="0">
@@ -7301,23 +7257,47 @@
               <a:t>      </a:t>
             </a:r>
             <a:r>
+              <a:rPr lang="en-US" sz="1100" smtClean="0">
+                <a:solidFill>
+                  <a:srgbClr val="000000"/>
+                </a:solidFill>
+                <a:latin typeface="Monaco"/>
+              </a:rPr>
+              <a:t>return </a:t>
+            </a:r>
+            <a:r>
+              <a:rPr lang="en-US" sz="1100" smtClean="0">
+                <a:solidFill>
+                  <a:srgbClr val="000000"/>
+                </a:solidFill>
+                <a:latin typeface="Monaco"/>
+              </a:rPr>
+              <a:t>done</a:t>
+            </a:r>
+            <a:r>
+              <a:rPr lang="en-US" sz="1100" smtClean="0">
+                <a:solidFill>
+                  <a:srgbClr val="000000"/>
+                </a:solidFill>
+                <a:latin typeface="Monaco"/>
+              </a:rPr>
+              <a:t>(err</a:t>
+            </a:r>
+            <a:r>
               <a:rPr lang="en-US" sz="1100" dirty="0" smtClean="0">
                 <a:solidFill>
                   <a:srgbClr val="000000"/>
                 </a:solidFill>
                 <a:latin typeface="Monaco"/>
               </a:rPr>
-              <a:t>return callback</a:t>
-            </a:r>
-            <a:r>
-              <a:rPr lang="en-US" sz="1100" dirty="0">
-                <a:solidFill>
-                  <a:srgbClr val="000000"/>
-                </a:solidFill>
-                <a:latin typeface="Monaco"/>
-              </a:rPr>
-              <a:t>(err);</a:t>
-            </a:r>
+              <a:t>);</a:t>
+            </a:r>
+            <a:endParaRPr lang="en-US" sz="1100" dirty="0">
+              <a:solidFill>
+                <a:srgbClr val="000000"/>
+              </a:solidFill>
+              <a:latin typeface="Monaco"/>
+            </a:endParaRPr>
           </a:p>
           <a:p>
             <a:r>
@@ -7736,22 +7716,7 @@
                 <a:effectLst/>
                 <a:latin typeface="Calibri" pitchFamily="34" charset="0"/>
               </a:rPr>
-              <a:t> </a:t>
-            </a:r>
-            <a:r>
-              <a:rPr kumimoji="0" lang="en-US" sz="2000" i="1" u="none" strike="noStrike" cap="none" normalizeH="0" baseline="0" dirty="0" smtClean="0">
-                <a:ln>
-                  <a:noFill/>
-                </a:ln>
-                <a:solidFill>
-                  <a:schemeClr val="tx2">
-                    <a:lumMod val="75000"/>
-                  </a:schemeClr>
-                </a:solidFill>
-                <a:effectLst/>
-                <a:latin typeface="Calibri" pitchFamily="34" charset="0"/>
-              </a:rPr>
-              <a:t>with non-</a:t>
+              <a:t> with non-</a:t>
             </a:r>
             <a:r>
               <a:rPr kumimoji="0" lang="en-US" sz="1600" i="1" u="none" strike="noStrike" cap="none" normalizeH="0" baseline="0" dirty="0" smtClean="0">
@@ -7962,19 +7927,7 @@
                 <a:latin typeface="Monaco"/>
                 <a:cs typeface="Monaco"/>
               </a:rPr>
-              <a:t>function(element, </a:t>
-            </a:r>
-            <a:r>
-              <a:rPr lang="en-US" sz="1600" i="1" dirty="0" smtClean="0">
-                <a:solidFill>
-                  <a:schemeClr val="tx2">
-                    <a:lumMod val="75000"/>
-                  </a:schemeClr>
-                </a:solidFill>
-                <a:latin typeface="Monaco"/>
-                <a:cs typeface="Monaco"/>
-              </a:rPr>
-              <a:t>done)</a:t>
+              <a:t>function(element, done)</a:t>
             </a:r>
             <a:endParaRPr kumimoji="0" lang="en-US" sz="1600" i="1" u="none" strike="noStrike" cap="none" normalizeH="0" baseline="0" dirty="0" smtClean="0">
               <a:ln>
@@ -9523,12 +9476,19 @@
             <a:pPr lvl="1"/>
             <a:r>
               <a:rPr lang="en-US" dirty="0" err="1" smtClean="0">
+                <a:solidFill>
+                  <a:srgbClr val="FF0000"/>
+                </a:solidFill>
                 <a:latin typeface="Monaco"/>
                 <a:cs typeface="Monaco"/>
               </a:rPr>
               <a:t>async.waterfall</a:t>
             </a:r>
-            <a:endParaRPr lang="en-US" sz="2000" dirty="0"/>
+            <a:endParaRPr lang="en-US" sz="2000" dirty="0">
+              <a:solidFill>
+                <a:srgbClr val="FF0000"/>
+              </a:solidFill>
+            </a:endParaRPr>
           </a:p>
           <a:p>
             <a:pPr lvl="1"/>
@@ -9583,12 +9543,18 @@
             <a:pPr lvl="1"/>
             <a:r>
               <a:rPr lang="en-US" sz="1800" dirty="0" err="1" smtClean="0">
+                <a:solidFill>
+                  <a:srgbClr val="FF0000"/>
+                </a:solidFill>
                 <a:latin typeface="Monaco"/>
                 <a:cs typeface="Monaco"/>
               </a:rPr>
               <a:t>async.map</a:t>
             </a:r>
             <a:endParaRPr lang="en-US" sz="1800" dirty="0" smtClean="0">
+              <a:solidFill>
+                <a:srgbClr val="FF0000"/>
+              </a:solidFill>
               <a:latin typeface="Monaco"/>
               <a:cs typeface="Monaco"/>
             </a:endParaRPr>

--- a/node/lesson-65-async/async.pptx
+++ b/node/lesson-65-async/async.pptx
@@ -5,10 +5,10 @@
     <p:sldMasterId id="2147483648" r:id="rId1"/>
   </p:sldMasterIdLst>
   <p:notesMasterIdLst>
-    <p:notesMasterId r:id="rId20"/>
+    <p:notesMasterId r:id="rId21"/>
   </p:notesMasterIdLst>
   <p:handoutMasterIdLst>
-    <p:handoutMasterId r:id="rId21"/>
+    <p:handoutMasterId r:id="rId22"/>
   </p:handoutMasterIdLst>
   <p:sldIdLst>
     <p:sldId id="298" r:id="rId2"/>
@@ -23,17 +23,18 @@
     <p:sldId id="306" r:id="rId11"/>
     <p:sldId id="307" r:id="rId12"/>
     <p:sldId id="308" r:id="rId13"/>
-    <p:sldId id="317" r:id="rId14"/>
-    <p:sldId id="310" r:id="rId15"/>
-    <p:sldId id="311" r:id="rId16"/>
-    <p:sldId id="312" r:id="rId17"/>
-    <p:sldId id="313" r:id="rId18"/>
-    <p:sldId id="314" r:id="rId19"/>
+    <p:sldId id="318" r:id="rId14"/>
+    <p:sldId id="317" r:id="rId15"/>
+    <p:sldId id="310" r:id="rId16"/>
+    <p:sldId id="311" r:id="rId17"/>
+    <p:sldId id="312" r:id="rId18"/>
+    <p:sldId id="313" r:id="rId19"/>
+    <p:sldId id="314" r:id="rId20"/>
   </p:sldIdLst>
   <p:sldSz cx="9144000" cy="6858000" type="screen4x3"/>
   <p:notesSz cx="6858000" cy="9144000"/>
   <p:custDataLst>
-    <p:tags r:id="rId22"/>
+    <p:tags r:id="rId23"/>
   </p:custDataLst>
   <p:defaultTextStyle>
     <a:defPPr>
@@ -790,7 +791,7 @@
             <a:fld id="{FEB94C41-AFE7-4A1F-AB5D-F6B560C16046}" type="slidenum">
               <a:rPr lang="en-US" smtClean="0"/>
               <a:pPr/>
-              <a:t>17</a:t>
+              <a:t>18</a:t>
             </a:fld>
             <a:endParaRPr lang="en-US"/>
           </a:p>
@@ -875,7 +876,7 @@
             <a:fld id="{6AFC80D5-740B-4CAF-B407-EC08971373CE}" type="slidenum">
               <a:rPr lang="en-US" smtClean="0"/>
               <a:pPr/>
-              <a:t>18</a:t>
+              <a:t>19</a:t>
             </a:fld>
             <a:endParaRPr lang="en-US" dirty="0"/>
           </a:p>
@@ -1354,7 +1355,7 @@
           <a:noFill/>
           <a:extLst>
             <a:ext uri="{909E8E84-426E-40dd-AFC4-6F175D3DCCD1}">
-              <a14:hiddenFill xmlns="" xmlns:a14="http://schemas.microsoft.com/office/drawing/2010/main">
+              <a14:hiddenFill xmlns:a14="http://schemas.microsoft.com/office/drawing/2010/main" xmlns="">
                 <a:solidFill>
                   <a:srgbClr val="FFFFFF"/>
                 </a:solidFill>
@@ -4211,8 +4212,15 @@
           <a:p>
             <a:r>
               <a:rPr lang="en-US" dirty="0" smtClean="0"/>
-              <a:t>On success, callback receives object of results</a:t>
-            </a:r>
+              <a:t>On success, callback receives object of </a:t>
+            </a:r>
+            <a:r>
+              <a:rPr lang="en-US" dirty="0" smtClean="0"/>
+              <a:t>results</a:t>
+            </a:r>
+          </a:p>
+          <a:p>
+            <a:pPr lvl="2"/>
             <a:endParaRPr lang="en-US" dirty="0"/>
           </a:p>
         </p:txBody>
@@ -6168,23 +6176,104 @@
           <a:lstStyle/>
           <a:p>
             <a:r>
+              <a:rPr lang="en-US" smtClean="0"/>
+              <a:t>As </a:t>
+            </a:r>
+            <a:r>
               <a:rPr lang="en-US" dirty="0" smtClean="0"/>
-              <a:t>Collection </a:t>
-            </a:r>
-            <a:r>
-              <a:rPr lang="en-US" dirty="0"/>
-              <a:t>processing features asynchronous </a:t>
+              <a:t>of versions </a:t>
+            </a:r>
+            <a:r>
+              <a:rPr lang="en-US" dirty="0" smtClean="0">
+                <a:solidFill>
+                  <a:srgbClr val="FF0000"/>
+                </a:solidFill>
+              </a:rPr>
+              <a:t>2.0.0-rc3</a:t>
             </a:r>
             <a:r>
               <a:rPr lang="en-US" dirty="0" smtClean="0"/>
-              <a:t>functions</a:t>
+              <a:t>, the signature of the tasks has changed.</a:t>
+            </a:r>
+          </a:p>
+          <a:p>
+            <a:pPr lvl="1"/>
+            <a:r>
+              <a:rPr lang="en-US" dirty="0" smtClean="0"/>
+              <a:t>Signature: </a:t>
+            </a:r>
+            <a:r>
+              <a:rPr lang="en-US" dirty="0" smtClean="0">
+                <a:solidFill>
+                  <a:srgbClr val="FF0000"/>
+                </a:solidFill>
+              </a:rPr>
+              <a:t>functio</a:t>
+            </a:r>
+            <a:r>
+              <a:rPr lang="en-US" dirty="0" smtClean="0">
+                <a:solidFill>
+                  <a:srgbClr val="FF0000"/>
+                </a:solidFill>
+              </a:rPr>
+              <a:t>n task(results, callback)</a:t>
+            </a:r>
+          </a:p>
+          <a:p>
+            <a:pPr lvl="2"/>
+            <a:r>
+              <a:rPr lang="en-US" dirty="0" smtClean="0"/>
+              <a:t>For all the tasks with dependencies</a:t>
+            </a:r>
+          </a:p>
+          <a:p>
+            <a:pPr lvl="2"/>
+            <a:r>
+              <a:rPr lang="en-US" dirty="0" smtClean="0"/>
+              <a:t>Variable </a:t>
+            </a:r>
+            <a:r>
+              <a:rPr lang="en-US" dirty="0" smtClean="0">
+                <a:solidFill>
+                  <a:srgbClr val="FF0000"/>
+                </a:solidFill>
+              </a:rPr>
+              <a:t>results</a:t>
+            </a:r>
+            <a:r>
+              <a:rPr lang="en-US" dirty="0" smtClean="0"/>
+              <a:t> is a hash of current results</a:t>
             </a:r>
             <a:endParaRPr lang="en-US" dirty="0"/>
           </a:p>
           <a:p>
-            <a:pPr marL="0" indent="0">
-              <a:buNone/>
-            </a:pPr>
+            <a:pPr lvl="1"/>
+            <a:r>
+              <a:rPr lang="en-US" dirty="0" smtClean="0"/>
+              <a:t>Signature: </a:t>
+            </a:r>
+            <a:r>
+              <a:rPr lang="en-US" dirty="0" smtClean="0">
+                <a:solidFill>
+                  <a:srgbClr val="FF0000"/>
+                </a:solidFill>
+              </a:rPr>
+              <a:t>function task(callback)</a:t>
+            </a:r>
+          </a:p>
+          <a:p>
+            <a:pPr lvl="2"/>
+            <a:r>
+              <a:rPr lang="en-US" dirty="0" smtClean="0"/>
+              <a:t>For tasks with NO dependencies</a:t>
+            </a:r>
+          </a:p>
+          <a:p>
+            <a:pPr lvl="2"/>
+            <a:endParaRPr lang="en-US" dirty="0" smtClean="0"/>
+          </a:p>
+          <a:p>
+            <a:pPr lvl="2"/>
             <a:endParaRPr lang="en-US" dirty="0"/>
           </a:p>
         </p:txBody>
@@ -6206,11 +6295,7 @@
           <a:p>
             <a:r>
               <a:rPr lang="en-US" dirty="0" err="1" smtClean="0"/>
-              <a:t>Async</a:t>
-            </a:r>
-            <a:r>
-              <a:rPr lang="en-US" dirty="0" smtClean="0"/>
-              <a:t>: Collections</a:t>
+              <a:t>async.auto</a:t>
             </a:r>
             <a:endParaRPr lang="en-US" dirty="0"/>
           </a:p>
@@ -6243,6 +6328,147 @@
               <a:rPr lang="en-US" smtClean="0"/>
               <a:pPr/>
               <a:t>13</a:t>
+            </a:fld>
+            <a:endParaRPr lang="en-US" dirty="0"/>
+          </a:p>
+        </p:txBody>
+      </p:sp>
+    </p:spTree>
+    <p:extLst>
+      <p:ext uri="{BB962C8B-B14F-4D97-AF65-F5344CB8AC3E}">
+        <p14:creationId xmlns:p14="http://schemas.microsoft.com/office/powerpoint/2010/main" val="611965953"/>
+      </p:ext>
+    </p:extLst>
+  </p:cSld>
+  <p:clrMapOvr>
+    <a:masterClrMapping/>
+  </p:clrMapOvr>
+  <mc:AlternateContent xmlns:mc="http://schemas.openxmlformats.org/markup-compatibility/2006" xmlns:p14="http://schemas.microsoft.com/office/powerpoint/2010/main">
+    <mc:Choice Requires="p14">
+      <p:transition p14:dur="0"/>
+    </mc:Choice>
+    <mc:Fallback xmlns="">
+      <p:transition/>
+    </mc:Fallback>
+  </mc:AlternateContent>
+  <p:timing>
+    <p:tnLst>
+      <p:par>
+        <p:cTn id="1" dur="indefinite" restart="never" nodeType="tmRoot"/>
+      </p:par>
+    </p:tnLst>
+  </p:timing>
+</p:sld>
+</file>
+
+<file path=ppt/slides/slide14.xml><?xml version="1.0" encoding="utf-8"?>
+<p:sld xmlns:a="http://schemas.openxmlformats.org/drawingml/2006/main" xmlns:r="http://schemas.openxmlformats.org/officeDocument/2006/relationships" xmlns:p="http://schemas.openxmlformats.org/presentationml/2006/main">
+  <p:cSld>
+    <p:spTree>
+      <p:nvGrpSpPr>
+        <p:cNvPr id="1" name=""/>
+        <p:cNvGrpSpPr/>
+        <p:nvPr/>
+      </p:nvGrpSpPr>
+      <p:grpSpPr>
+        <a:xfrm>
+          <a:off x="0" y="0"/>
+          <a:ext cx="0" cy="0"/>
+          <a:chOff x="0" y="0"/>
+          <a:chExt cx="0" cy="0"/>
+        </a:xfrm>
+      </p:grpSpPr>
+      <p:sp>
+        <p:nvSpPr>
+          <p:cNvPr id="3" name="Content Placeholder 2"/>
+          <p:cNvSpPr>
+            <a:spLocks noGrp="1"/>
+          </p:cNvSpPr>
+          <p:nvPr>
+            <p:ph type="body" sz="quarter" idx="12"/>
+          </p:nvPr>
+        </p:nvSpPr>
+        <p:spPr/>
+        <p:txBody>
+          <a:bodyPr/>
+          <a:lstStyle/>
+          <a:p>
+            <a:r>
+              <a:rPr lang="en-US" dirty="0" smtClean="0"/>
+              <a:t>Collection </a:t>
+            </a:r>
+            <a:r>
+              <a:rPr lang="en-US" dirty="0"/>
+              <a:t>processing features asynchronous </a:t>
+            </a:r>
+            <a:r>
+              <a:rPr lang="en-US" dirty="0" smtClean="0"/>
+              <a:t>functions</a:t>
+            </a:r>
+            <a:endParaRPr lang="en-US" dirty="0"/>
+          </a:p>
+          <a:p>
+            <a:pPr marL="0" indent="0">
+              <a:buNone/>
+            </a:pPr>
+            <a:endParaRPr lang="en-US" dirty="0"/>
+          </a:p>
+        </p:txBody>
+      </p:sp>
+      <p:sp>
+        <p:nvSpPr>
+          <p:cNvPr id="2" name="Title 1"/>
+          <p:cNvSpPr>
+            <a:spLocks noGrp="1"/>
+          </p:cNvSpPr>
+          <p:nvPr>
+            <p:ph type="title"/>
+          </p:nvPr>
+        </p:nvSpPr>
+        <p:spPr/>
+        <p:txBody>
+          <a:bodyPr/>
+          <a:lstStyle/>
+          <a:p>
+            <a:r>
+              <a:rPr lang="en-US" dirty="0" err="1" smtClean="0"/>
+              <a:t>Async</a:t>
+            </a:r>
+            <a:r>
+              <a:rPr lang="en-US" dirty="0" smtClean="0"/>
+              <a:t>: Collections</a:t>
+            </a:r>
+            <a:endParaRPr lang="en-US" dirty="0"/>
+          </a:p>
+        </p:txBody>
+      </p:sp>
+      <p:sp>
+        <p:nvSpPr>
+          <p:cNvPr id="4" name="Slide Number Placeholder 3"/>
+          <p:cNvSpPr>
+            <a:spLocks noGrp="1"/>
+          </p:cNvSpPr>
+          <p:nvPr>
+            <p:ph type="sldNum" sz="quarter" idx="4294967295"/>
+          </p:nvPr>
+        </p:nvSpPr>
+        <p:spPr>
+          <a:xfrm>
+            <a:off x="8237538" y="6553200"/>
+            <a:ext cx="906462" cy="457200"/>
+          </a:xfrm>
+          <a:prstGeom prst="rect">
+            <a:avLst/>
+          </a:prstGeom>
+        </p:spPr>
+        <p:txBody>
+          <a:bodyPr/>
+          <a:lstStyle/>
+          <a:p>
+            <a:fld id="{0D854ACF-EFF3-42D3-AB5F-408268493A1F}" type="slidenum">
+              <a:rPr lang="en-US" smtClean="0"/>
+              <a:pPr/>
+              <a:t>14</a:t>
             </a:fld>
             <a:endParaRPr lang="en-US" dirty="0"/>
           </a:p>
@@ -6518,7 +6744,7 @@
 </p:sld>
 </file>
 
-<file path=ppt/slides/slide14.xml><?xml version="1.0" encoding="utf-8"?>
+<file path=ppt/slides/slide15.xml><?xml version="1.0" encoding="utf-8"?>
 <p:sld xmlns:a="http://schemas.openxmlformats.org/drawingml/2006/main" xmlns:r="http://schemas.openxmlformats.org/officeDocument/2006/relationships" xmlns:p="http://schemas.openxmlformats.org/presentationml/2006/main">
   <p:cSld>
     <p:spTree>
@@ -6830,7 +7056,7 @@
             <a:fld id="{0D854ACF-EFF3-42D3-AB5F-408268493A1F}" type="slidenum">
               <a:rPr lang="en-US" smtClean="0"/>
               <a:pPr/>
-              <a:t>14</a:t>
+              <a:t>15</a:t>
             </a:fld>
             <a:endParaRPr lang="en-US" dirty="0"/>
           </a:p>
@@ -6864,7 +7090,7 @@
 </p:sld>
 </file>
 
-<file path=ppt/slides/slide15.xml><?xml version="1.0" encoding="utf-8"?>
+<file path=ppt/slides/slide16.xml><?xml version="1.0" encoding="utf-8"?>
 <p:sld xmlns:a="http://schemas.openxmlformats.org/drawingml/2006/main" xmlns:r="http://schemas.openxmlformats.org/officeDocument/2006/relationships" xmlns:p="http://schemas.openxmlformats.org/presentationml/2006/main">
   <p:cSld>
     <p:spTree>
@@ -6934,7 +7160,7 @@
             <a:fld id="{0D854ACF-EFF3-42D3-AB5F-408268493A1F}" type="slidenum">
               <a:rPr lang="en-US" smtClean="0"/>
               <a:pPr/>
-              <a:t>15</a:t>
+              <a:t>16</a:t>
             </a:fld>
             <a:endParaRPr lang="en-US" dirty="0"/>
           </a:p>
@@ -7263,25 +7489,7 @@
                 </a:solidFill>
                 <a:latin typeface="Monaco"/>
               </a:rPr>
-              <a:t>return </a:t>
-            </a:r>
-            <a:r>
-              <a:rPr lang="en-US" sz="1100" smtClean="0">
-                <a:solidFill>
-                  <a:srgbClr val="000000"/>
-                </a:solidFill>
-                <a:latin typeface="Monaco"/>
-              </a:rPr>
-              <a:t>done</a:t>
-            </a:r>
-            <a:r>
-              <a:rPr lang="en-US" sz="1100" smtClean="0">
-                <a:solidFill>
-                  <a:srgbClr val="000000"/>
-                </a:solidFill>
-                <a:latin typeface="Monaco"/>
-              </a:rPr>
-              <a:t>(err</a:t>
+              <a:t>return done(err</a:t>
             </a:r>
             <a:r>
               <a:rPr lang="en-US" sz="1100" dirty="0" smtClean="0">
@@ -8136,7 +8344,7 @@
 </p:sld>
 </file>
 
-<file path=ppt/slides/slide16.xml><?xml version="1.0" encoding="utf-8"?>
+<file path=ppt/slides/slide17.xml><?xml version="1.0" encoding="utf-8"?>
 <p:sld xmlns:a="http://schemas.openxmlformats.org/drawingml/2006/main" xmlns:r="http://schemas.openxmlformats.org/officeDocument/2006/relationships" xmlns:p="http://schemas.openxmlformats.org/presentationml/2006/main">
   <p:cSld>
     <p:spTree>
@@ -8509,7 +8717,7 @@
             <a:fld id="{0D854ACF-EFF3-42D3-AB5F-408268493A1F}" type="slidenum">
               <a:rPr lang="en-US" smtClean="0"/>
               <a:pPr/>
-              <a:t>16</a:t>
+              <a:t>17</a:t>
             </a:fld>
             <a:endParaRPr lang="en-US" dirty="0"/>
           </a:p>
@@ -8543,7 +8751,7 @@
 </p:sld>
 </file>
 
-<file path=ppt/slides/slide17.xml><?xml version="1.0" encoding="utf-8"?>
+<file path=ppt/slides/slide18.xml><?xml version="1.0" encoding="utf-8"?>
 <p:sld xmlns:a="http://schemas.openxmlformats.org/drawingml/2006/main" xmlns:r="http://schemas.openxmlformats.org/officeDocument/2006/relationships" xmlns:p="http://schemas.openxmlformats.org/presentationml/2006/main">
   <p:cSld>
     <p:spTree>
@@ -8702,7 +8910,7 @@
             <a:fld id="{0D854ACF-EFF3-42D3-AB5F-408268493A1F}" type="slidenum">
               <a:rPr lang="en-US" smtClean="0"/>
               <a:pPr/>
-              <a:t>17</a:t>
+              <a:t>18</a:t>
             </a:fld>
             <a:endParaRPr lang="en-US" dirty="0"/>
           </a:p>
@@ -9387,7 +9595,7 @@
 </p:sld>
 </file>
 
-<file path=ppt/slides/slide18.xml><?xml version="1.0" encoding="utf-8"?>
+<file path=ppt/slides/slide19.xml><?xml version="1.0" encoding="utf-8"?>
 <p:sld xmlns:a="http://schemas.openxmlformats.org/drawingml/2006/main" xmlns:r="http://schemas.openxmlformats.org/officeDocument/2006/relationships" xmlns:p="http://schemas.openxmlformats.org/presentationml/2006/main">
   <p:cSld>
     <p:spTree>
@@ -9614,7 +9822,7 @@
               <a:pPr>
                 <a:defRPr/>
               </a:pPr>
-              <a:t>18</a:t>
+              <a:t>19</a:t>
             </a:fld>
             <a:endParaRPr lang="en-US"/>
           </a:p>

--- a/node/lesson-65-async/async.pptx
+++ b/node/lesson-65-async/async.pptx
@@ -1355,7 +1355,7 @@
           <a:noFill/>
           <a:extLst>
             <a:ext uri="{909E8E84-426E-40dd-AFC4-6F175D3DCCD1}">
-              <a14:hiddenFill xmlns:a14="http://schemas.microsoft.com/office/drawing/2010/main" xmlns="">
+              <a14:hiddenFill xmlns="" xmlns:a14="http://schemas.microsoft.com/office/drawing/2010/main">
                 <a:solidFill>
                   <a:srgbClr val="FFFFFF"/>
                 </a:solidFill>
@@ -4212,11 +4212,7 @@
           <a:p>
             <a:r>
               <a:rPr lang="en-US" dirty="0" smtClean="0"/>
-              <a:t>On success, callback receives object of </a:t>
-            </a:r>
-            <a:r>
-              <a:rPr lang="en-US" dirty="0" smtClean="0"/>
-              <a:t>results</a:t>
+              <a:t>On success, callback receives object of results</a:t>
             </a:r>
           </a:p>
           <a:p>
@@ -5018,7 +5014,7 @@
                 <a:ea typeface="Monaco"/>
                 <a:cs typeface="Monaco"/>
               </a:rPr>
-              <a:t>function(done, </a:t>
+              <a:t>function(results, done) </a:t>
             </a:r>
             <a:r>
               <a:rPr lang="en-US" sz="1050" dirty="0">
@@ -5029,7 +5025,7 @@
                 <a:ea typeface="Monaco"/>
                 <a:cs typeface="Monaco"/>
               </a:rPr>
-              <a:t>results) {</a:t>
+              <a:t>{</a:t>
             </a:r>
           </a:p>
           <a:p>
@@ -5224,7 +5220,7 @@
                 <a:ea typeface="Monaco"/>
                 <a:cs typeface="Monaco"/>
               </a:rPr>
-              <a:t>function(done, </a:t>
+              <a:t>function(results, done) </a:t>
             </a:r>
             <a:r>
               <a:rPr lang="en-US" sz="1050" dirty="0">
@@ -5235,7 +5231,7 @@
                 <a:ea typeface="Monaco"/>
                 <a:cs typeface="Monaco"/>
               </a:rPr>
-              <a:t>results) {</a:t>
+              <a:t>{</a:t>
             </a:r>
           </a:p>
           <a:p>
@@ -6176,12 +6172,8 @@
           <a:lstStyle/>
           <a:p>
             <a:r>
-              <a:rPr lang="en-US" smtClean="0"/>
-              <a:t>As </a:t>
-            </a:r>
-            <a:r>
               <a:rPr lang="en-US" dirty="0" smtClean="0"/>
-              <a:t>of versions </a:t>
+              <a:t>As of versions </a:t>
             </a:r>
             <a:r>
               <a:rPr lang="en-US" dirty="0" smtClean="0">
@@ -6189,11 +6181,15 @@
                   <a:srgbClr val="FF0000"/>
                 </a:solidFill>
               </a:rPr>
-              <a:t>2.0.0-rc3</a:t>
+              <a:t>2.0.x</a:t>
             </a:r>
             <a:r>
               <a:rPr lang="en-US" dirty="0" smtClean="0"/>
-              <a:t>, the signature of the tasks has changed.</a:t>
+              <a:t>, </a:t>
+            </a:r>
+            <a:r>
+              <a:rPr lang="en-US" dirty="0" smtClean="0"/>
+              <a:t>the signature of the tasks has changed.</a:t>
             </a:r>
           </a:p>
           <a:p>
@@ -6208,15 +6204,7 @@
                   <a:srgbClr val="FF0000"/>
                 </a:solidFill>
               </a:rPr>
-              <a:t>functio</a:t>
-            </a:r>
-            <a:r>
-              <a:rPr lang="en-US" dirty="0" smtClean="0">
-                <a:solidFill>
-                  <a:srgbClr val="FF0000"/>
-                </a:solidFill>
-              </a:rPr>
-              <a:t>n task(results, callback)</a:t>
+              <a:t>function task(results, callback)</a:t>
             </a:r>
           </a:p>
           <a:p>
@@ -6265,16 +6253,19 @@
             <a:pPr lvl="2"/>
             <a:r>
               <a:rPr lang="en-US" dirty="0" smtClean="0"/>
-              <a:t>For tasks with NO dependencies</a:t>
-            </a:r>
-          </a:p>
-          <a:p>
-            <a:pPr lvl="2"/>
+              <a:t>For tasks with NO </a:t>
+            </a:r>
+            <a:r>
+              <a:rPr lang="en-US" dirty="0" smtClean="0"/>
+              <a:t>dependencies</a:t>
+            </a:r>
+          </a:p>
+          <a:p>
+            <a:r>
+              <a:rPr lang="en-US" dirty="0" smtClean="0"/>
+              <a:t>The solutions example uses version 2.1.x</a:t>
+            </a:r>
             <a:endParaRPr lang="en-US" dirty="0" smtClean="0"/>
-          </a:p>
-          <a:p>
-            <a:pPr lvl="2"/>
-            <a:endParaRPr lang="en-US" dirty="0"/>
           </a:p>
         </p:txBody>
       </p:sp>
